--- a/A Code Generation Pipeline for .NET.pptx
+++ b/A Code Generation Pipeline for .NET.pptx
@@ -5,7 +5,7 @@
     <p:sldMasterId id="2147483708" r:id="rId1"/>
   </p:sldMasterIdLst>
   <p:notesMasterIdLst>
-    <p:notesMasterId r:id="rId26"/>
+    <p:notesMasterId r:id="rId18"/>
   </p:notesMasterIdLst>
   <p:sldIdLst>
     <p:sldId id="256" r:id="rId2"/>
@@ -20,18 +20,10 @@
     <p:sldId id="265" r:id="rId11"/>
     <p:sldId id="266" r:id="rId12"/>
     <p:sldId id="267" r:id="rId13"/>
-    <p:sldId id="269" r:id="rId14"/>
-    <p:sldId id="270" r:id="rId15"/>
-    <p:sldId id="271" r:id="rId16"/>
-    <p:sldId id="278" r:id="rId17"/>
-    <p:sldId id="279" r:id="rId18"/>
-    <p:sldId id="280" r:id="rId19"/>
-    <p:sldId id="268" r:id="rId20"/>
-    <p:sldId id="273" r:id="rId21"/>
-    <p:sldId id="274" r:id="rId22"/>
-    <p:sldId id="276" r:id="rId23"/>
-    <p:sldId id="275" r:id="rId24"/>
-    <p:sldId id="277" r:id="rId25"/>
+    <p:sldId id="278" r:id="rId14"/>
+    <p:sldId id="268" r:id="rId15"/>
+    <p:sldId id="273" r:id="rId16"/>
+    <p:sldId id="277" r:id="rId17"/>
   </p:sldIdLst>
   <p:sldSz cx="9144000" cy="6858000" type="screen4x3"/>
   <p:notesSz cx="6858000" cy="9144000"/>
@@ -215,7 +207,7 @@
           <a:p>
             <a:fld id="{D9FD501D-8958-464D-9576-2151F979214D}" type="datetimeFigureOut">
               <a:rPr lang="en-US" smtClean="0"/>
-              <a:t>12-Sep-12</a:t>
+              <a:t>08-Jul-13</a:t>
             </a:fld>
             <a:endParaRPr lang="en-US"/>
           </a:p>
@@ -915,8 +907,8 @@
           <a:lstStyle/>
           <a:p>
             <a:r>
-              <a:rPr lang="en-US" smtClean="0"/>
-              <a:t>12.09.2012</a:t>
+              <a:rPr lang="en-US" dirty="0" smtClean="0"/>
+              <a:t>11.07.2013</a:t>
             </a:r>
             <a:endParaRPr lang="en-US" dirty="0"/>
           </a:p>
@@ -967,7 +959,7 @@
             </a:fld>
             <a:r>
               <a:rPr lang="en-US" dirty="0" smtClean="0"/>
-              <a:t> / 24</a:t>
+              <a:t> / 16</a:t>
             </a:r>
             <a:endParaRPr lang="en-US" dirty="0"/>
           </a:p>
@@ -1101,10 +1093,10 @@
           <a:lstStyle/>
           <a:p>
             <a:r>
-              <a:rPr lang="en-US" smtClean="0"/>
-              <a:t>12.09.2012</a:t>
-            </a:r>
-            <a:endParaRPr lang="en-US"/>
+              <a:rPr lang="en-US" dirty="0" smtClean="0"/>
+              <a:t>11.07.2013</a:t>
+            </a:r>
+            <a:endParaRPr lang="en-US" dirty="0"/>
           </a:p>
         </p:txBody>
       </p:sp>
@@ -1171,8 +1163,9 @@
             </a:fld>
             <a:r>
               <a:rPr lang="en-US" dirty="0" smtClean="0"/>
-              <a:t> / 24</a:t>
-            </a:r>
+              <a:t> / 16</a:t>
+            </a:r>
+            <a:endParaRPr lang="en-US" dirty="0" smtClean="0"/>
           </a:p>
         </p:txBody>
       </p:sp>
@@ -1348,8 +1341,8 @@
           </a:lstStyle>
           <a:p>
             <a:r>
-              <a:rPr lang="en-US" smtClean="0"/>
-              <a:t>12.09.2012</a:t>
+              <a:rPr lang="en-US" dirty="0" smtClean="0"/>
+              <a:t>11.07.2013</a:t>
             </a:r>
             <a:endParaRPr lang="en-US" dirty="0"/>
           </a:p>
@@ -1438,7 +1431,7 @@
             </a:fld>
             <a:r>
               <a:rPr lang="en-US" dirty="0" smtClean="0"/>
-              <a:t> / 24</a:t>
+              <a:t> / 16</a:t>
             </a:r>
             <a:endParaRPr lang="en-US" dirty="0"/>
           </a:p>
@@ -1750,14 +1743,14 @@
           <a:lstStyle/>
           <a:p>
             <a:r>
-              <a:rPr lang="en-US" dirty="0" smtClean="0"/>
+              <a:rPr lang="en-US" smtClean="0"/>
               <a:t>A Code Generation Pipeline</a:t>
             </a:r>
             <a:br>
-              <a:rPr lang="en-US" dirty="0" smtClean="0"/>
+              <a:rPr lang="en-US" smtClean="0"/>
             </a:br>
             <a:r>
-              <a:rPr lang="en-US" dirty="0" smtClean="0"/>
+              <a:rPr lang="en-US" smtClean="0"/>
               <a:t>for .NET</a:t>
             </a:r>
             <a:endParaRPr lang="en-US" dirty="0"/>
@@ -1780,12 +1773,8 @@
           <a:lstStyle/>
           <a:p>
             <a:r>
-              <a:rPr lang="en-US" dirty="0" smtClean="0"/>
-              <a:t>Julian </a:t>
-            </a:r>
-            <a:r>
-              <a:rPr lang="en-US" dirty="0" err="1" smtClean="0"/>
-              <a:t>Lettner</a:t>
+              <a:rPr lang="en-US" smtClean="0"/>
+              <a:t>Julian Lettner</a:t>
             </a:r>
             <a:endParaRPr lang="en-US" dirty="0"/>
           </a:p>
@@ -1844,12 +1833,8 @@
           <a:lstStyle/>
           <a:p>
             <a:r>
-              <a:rPr lang="en-US" dirty="0" err="1" smtClean="0"/>
-              <a:t>Architektur</a:t>
-            </a:r>
-            <a:r>
-              <a:rPr lang="en-US" dirty="0" smtClean="0"/>
-              <a:t> - Pipeline</a:t>
+              <a:rPr lang="en-US" smtClean="0"/>
+              <a:t>Architektur - Pipeline</a:t>
             </a:r>
             <a:endParaRPr lang="en-US" dirty="0"/>
           </a:p>
@@ -1931,10 +1916,10 @@
           <a:lstStyle/>
           <a:p>
             <a:r>
-              <a:rPr lang="en-US" smtClean="0"/>
-              <a:t>12.09.2012</a:t>
-            </a:r>
-            <a:endParaRPr lang="en-US"/>
+              <a:rPr lang="en-US" dirty="0" smtClean="0"/>
+              <a:t>11.07.2013</a:t>
+            </a:r>
+            <a:endParaRPr lang="en-US" dirty="0"/>
           </a:p>
         </p:txBody>
       </p:sp>
@@ -1982,8 +1967,8 @@
               <a:t>10</a:t>
             </a:fld>
             <a:r>
-              <a:rPr lang="en-US" smtClean="0"/>
-              <a:t> / 24</a:t>
+              <a:rPr lang="en-US" dirty="0" smtClean="0"/>
+              <a:t> / 16</a:t>
             </a:r>
             <a:endParaRPr lang="en-US" dirty="0" smtClean="0"/>
           </a:p>
@@ -2042,12 +2027,8 @@
           <a:lstStyle/>
           <a:p>
             <a:r>
-              <a:rPr lang="en-US" dirty="0" err="1" smtClean="0"/>
-              <a:t>Teilnehmer</a:t>
-            </a:r>
-            <a:r>
-              <a:rPr lang="en-US" dirty="0" smtClean="0"/>
-              <a:t> - Pipeline</a:t>
+              <a:rPr lang="en-US" smtClean="0"/>
+              <a:t>Teilnehmer - Pipeline</a:t>
             </a:r>
             <a:endParaRPr lang="en-US" dirty="0"/>
           </a:p>
@@ -2070,71 +2051,53 @@
           </a:bodyPr>
           <a:lstStyle/>
           <a:p>
-            <a:endParaRPr lang="en-US" dirty="0" smtClean="0"/>
-          </a:p>
-          <a:p>
-            <a:endParaRPr lang="en-US" dirty="0"/>
-          </a:p>
-          <a:p>
-            <a:endParaRPr lang="en-US" dirty="0" smtClean="0"/>
-          </a:p>
-          <a:p>
-            <a:endParaRPr lang="en-US" sz="2000" dirty="0"/>
-          </a:p>
-          <a:p>
-            <a:r>
-              <a:rPr lang="en-US" dirty="0" err="1" smtClean="0"/>
-              <a:t>MutableType</a:t>
-            </a:r>
-            <a:r>
-              <a:rPr lang="en-US" dirty="0" smtClean="0"/>
-              <a:t> (“Mutable Reflection”)</a:t>
+            <a:endParaRPr lang="en-US" smtClean="0"/>
+          </a:p>
+          <a:p>
+            <a:endParaRPr lang="en-US" smtClean="0"/>
+          </a:p>
+          <a:p>
+            <a:endParaRPr lang="en-US" smtClean="0"/>
+          </a:p>
+          <a:p>
+            <a:endParaRPr lang="en-US" sz="2000" smtClean="0"/>
+          </a:p>
+          <a:p>
+            <a:r>
+              <a:rPr lang="en-US" smtClean="0"/>
+              <a:t>MutableType (“Mutable Reflection”)</a:t>
             </a:r>
           </a:p>
           <a:p>
             <a:pPr lvl="1"/>
             <a:r>
-              <a:rPr lang="en-US" dirty="0" smtClean="0"/>
+              <a:rPr lang="en-US" smtClean="0"/>
               <a:t>Von </a:t>
             </a:r>
             <a:r>
-              <a:rPr lang="en-US" sz="2600" dirty="0" err="1" smtClean="0">
+              <a:rPr lang="en-US" sz="2600" smtClean="0">
                 <a:latin typeface="Consolas" pitchFamily="49" charset="0"/>
                 <a:cs typeface="Consolas" pitchFamily="49" charset="0"/>
               </a:rPr>
               <a:t>System.Type</a:t>
             </a:r>
             <a:r>
-              <a:rPr lang="en-US" dirty="0" smtClean="0"/>
-              <a:t> </a:t>
-            </a:r>
-            <a:r>
-              <a:rPr lang="en-US" dirty="0" err="1" smtClean="0"/>
-              <a:t>abgeleitet</a:t>
-            </a:r>
-            <a:endParaRPr lang="en-US" dirty="0"/>
+              <a:rPr lang="en-US" smtClean="0"/>
+              <a:t> abgeleitet</a:t>
+            </a:r>
           </a:p>
           <a:p>
             <a:pPr lvl="1"/>
             <a:r>
-              <a:rPr lang="en-US" dirty="0" err="1" smtClean="0"/>
+              <a:rPr lang="en-US" smtClean="0"/>
               <a:t>Abfragemodell</a:t>
             </a:r>
-            <a:endParaRPr lang="en-US" dirty="0" smtClean="0"/>
           </a:p>
           <a:p>
             <a:pPr lvl="1"/>
             <a:r>
-              <a:rPr lang="en-US" dirty="0" err="1" smtClean="0"/>
-              <a:t>Sammelt</a:t>
-            </a:r>
-            <a:r>
-              <a:rPr lang="en-US" dirty="0" smtClean="0"/>
-              <a:t> </a:t>
-            </a:r>
-            <a:r>
-              <a:rPr lang="en-US" dirty="0" err="1" smtClean="0"/>
-              <a:t>Modifizierungen</a:t>
+              <a:rPr lang="en-US" smtClean="0"/>
+              <a:t>Sammelt Modifizierungen</a:t>
             </a:r>
             <a:endParaRPr lang="en-US" dirty="0" smtClean="0"/>
           </a:p>
@@ -2186,10 +2149,10 @@
           <a:lstStyle/>
           <a:p>
             <a:r>
-              <a:rPr lang="en-US" smtClean="0"/>
-              <a:t>12.09.2012</a:t>
-            </a:r>
-            <a:endParaRPr lang="en-US"/>
+              <a:rPr lang="en-US" dirty="0"/>
+              <a:t>11.07.2013</a:t>
+            </a:r>
+            <a:endParaRPr lang="en-US" dirty="0"/>
           </a:p>
         </p:txBody>
       </p:sp>
@@ -2237,8 +2200,8 @@
               <a:t>11</a:t>
             </a:fld>
             <a:r>
-              <a:rPr lang="en-US" smtClean="0"/>
-              <a:t> / 24</a:t>
+              <a:rPr lang="en-US" dirty="0" smtClean="0"/>
+              <a:t> / 16</a:t>
             </a:r>
             <a:endParaRPr lang="en-US" dirty="0" smtClean="0"/>
           </a:p>
@@ -2297,12 +2260,8 @@
           <a:lstStyle/>
           <a:p>
             <a:r>
-              <a:rPr lang="en-US" dirty="0" err="1" smtClean="0"/>
-              <a:t>Modifizierungen</a:t>
-            </a:r>
-            <a:r>
-              <a:rPr lang="en-US" dirty="0" smtClean="0"/>
-              <a:t> - Pipeline</a:t>
+              <a:rPr lang="en-US" smtClean="0"/>
+              <a:t>Modifizierungen - Pipeline</a:t>
             </a:r>
             <a:endParaRPr lang="en-US" dirty="0"/>
           </a:p>
@@ -2354,10 +2313,10 @@
           <a:lstStyle/>
           <a:p>
             <a:r>
-              <a:rPr lang="en-US" smtClean="0"/>
-              <a:t>12.09.2012</a:t>
-            </a:r>
-            <a:endParaRPr lang="en-US"/>
+              <a:rPr lang="en-US" dirty="0"/>
+              <a:t>11.07.2013</a:t>
+            </a:r>
+            <a:endParaRPr lang="en-US" dirty="0"/>
           </a:p>
         </p:txBody>
       </p:sp>
@@ -2405,8 +2364,8 @@
               <a:t>12</a:t>
             </a:fld>
             <a:r>
-              <a:rPr lang="en-US" smtClean="0"/>
-              <a:t> / 24</a:t>
+              <a:rPr lang="en-US" dirty="0" smtClean="0"/>
+              <a:t> / 16</a:t>
             </a:r>
             <a:endParaRPr lang="en-US" dirty="0" smtClean="0"/>
           </a:p>
@@ -2459,211 +2418,44 @@
             <p:ph type="title"/>
           </p:nvPr>
         </p:nvSpPr>
-        <p:spPr/>
-        <p:txBody>
-          <a:bodyPr/>
-          <a:lstStyle/>
-          <a:p>
-            <a:r>
-              <a:rPr lang="en-US" dirty="0" smtClean="0"/>
-              <a:t>AST - </a:t>
-            </a:r>
-            <a:r>
-              <a:rPr lang="en-US" dirty="0" err="1" smtClean="0"/>
-              <a:t>Implementierung</a:t>
-            </a:r>
-            <a:endParaRPr lang="en-US" dirty="0"/>
-          </a:p>
-        </p:txBody>
-      </p:sp>
-      <p:sp>
-        <p:nvSpPr>
-          <p:cNvPr id="3" name="Content Placeholder 2"/>
-          <p:cNvSpPr>
-            <a:spLocks noGrp="1"/>
-          </p:cNvSpPr>
-          <p:nvPr>
-            <p:ph idx="1"/>
-          </p:nvPr>
-        </p:nvSpPr>
         <p:spPr>
           <a:xfrm>
-            <a:off x="457200" y="1600200"/>
-            <a:ext cx="8229600" cy="4648200"/>
+            <a:off x="457200" y="274638"/>
+            <a:ext cx="8229600" cy="5440362"/>
           </a:xfrm>
         </p:spPr>
         <p:txBody>
-          <a:bodyPr>
-            <a:normAutofit lnSpcReduction="10000"/>
-          </a:bodyPr>
-          <a:lstStyle/>
-          <a:p>
-            <a:pPr marL="0" indent="0" algn="ctr">
-              <a:buNone/>
-            </a:pPr>
-            <a:r>
-              <a:rPr lang="en-US" dirty="0" err="1" smtClean="0">
-                <a:latin typeface="Consolas" pitchFamily="49" charset="0"/>
-                <a:cs typeface="Consolas" pitchFamily="49" charset="0"/>
-              </a:rPr>
-              <a:t>System.Linq.Expressions</a:t>
-            </a:r>
-            <a:endParaRPr lang="en-US" dirty="0" smtClean="0">
-              <a:latin typeface="Consolas" pitchFamily="49" charset="0"/>
-              <a:cs typeface="Consolas" pitchFamily="49" charset="0"/>
-            </a:endParaRPr>
-          </a:p>
-          <a:p>
-            <a:r>
-              <a:rPr lang="en-US" dirty="0" err="1" smtClean="0"/>
-              <a:t>Ausdr</a:t>
-            </a:r>
-            <a:r>
-              <a:rPr lang="de-AT" dirty="0" smtClean="0"/>
-              <a:t>ücke </a:t>
-            </a:r>
+          <a:bodyPr/>
+          <a:lstStyle/>
+          <a:p>
+            <a:r>
+              <a:rPr lang="en-US" sz="8800" dirty="0" smtClean="0"/>
+              <a:t>Demo</a:t>
+            </a:r>
+            <a:endParaRPr lang="en-US" dirty="0"/>
+          </a:p>
+        </p:txBody>
+      </p:sp>
+      <p:sp>
+        <p:nvSpPr>
+          <p:cNvPr id="4" name="Date Placeholder 3"/>
+          <p:cNvSpPr>
+            <a:spLocks noGrp="1"/>
+          </p:cNvSpPr>
+          <p:nvPr>
+            <p:ph type="dt" sz="half" idx="10"/>
+          </p:nvPr>
+        </p:nvSpPr>
+        <p:spPr/>
+        <p:txBody>
+          <a:bodyPr/>
+          <a:lstStyle/>
+          <a:p>
             <a:r>
               <a:rPr lang="en-US" dirty="0" smtClean="0"/>
-              <a:t>(.NET 3.5), </a:t>
-            </a:r>
-            <a:r>
-              <a:rPr lang="en-US" dirty="0" err="1" smtClean="0"/>
-              <a:t>Anweisungen</a:t>
-            </a:r>
-            <a:r>
-              <a:rPr lang="en-US" dirty="0" smtClean="0"/>
-              <a:t> (.NET 4.0)</a:t>
-            </a:r>
-          </a:p>
-          <a:p>
-            <a:r>
-              <a:rPr lang="en-US" dirty="0" err="1" smtClean="0"/>
-              <a:t>Qualitativ</a:t>
-            </a:r>
-            <a:r>
-              <a:rPr lang="en-US" dirty="0" smtClean="0"/>
-              <a:t> </a:t>
-            </a:r>
-            <a:r>
-              <a:rPr lang="en-US" dirty="0" err="1" smtClean="0"/>
-              <a:t>hochwertig</a:t>
-            </a:r>
-            <a:endParaRPr lang="en-US" dirty="0" smtClean="0"/>
-          </a:p>
-          <a:p>
-            <a:r>
-              <a:rPr lang="en-US" dirty="0" smtClean="0">
-                <a:latin typeface="+mj-lt"/>
-                <a:cs typeface="Consolas" pitchFamily="49" charset="0"/>
-              </a:rPr>
-              <a:t>Lambda Compiler</a:t>
-            </a:r>
-          </a:p>
-          <a:p>
-            <a:pPr lvl="1"/>
-            <a:r>
-              <a:rPr lang="en-US" dirty="0" err="1" smtClean="0"/>
-              <a:t>Teil</a:t>
-            </a:r>
-            <a:r>
-              <a:rPr lang="en-US" dirty="0" smtClean="0"/>
-              <a:t> der Dynamic Language Runtime (DLR)</a:t>
-            </a:r>
-          </a:p>
-          <a:p>
-            <a:pPr lvl="1"/>
-            <a:r>
-              <a:rPr lang="en-US" sz="2600" dirty="0" err="1" smtClean="0">
-                <a:latin typeface="Consolas" pitchFamily="49" charset="0"/>
-                <a:cs typeface="Consolas" pitchFamily="49" charset="0"/>
-              </a:rPr>
-              <a:t>LambdaExpression.CompileToMethod</a:t>
-            </a:r>
-            <a:endParaRPr lang="en-US" sz="2600" dirty="0" smtClean="0">
-              <a:latin typeface="Consolas" pitchFamily="49" charset="0"/>
-              <a:cs typeface="Consolas" pitchFamily="49" charset="0"/>
-            </a:endParaRPr>
-          </a:p>
-          <a:p>
-            <a:pPr lvl="1"/>
-            <a:r>
-              <a:rPr lang="en-US" dirty="0" err="1" smtClean="0"/>
-              <a:t>Basierend</a:t>
-            </a:r>
-            <a:r>
-              <a:rPr lang="en-US" dirty="0" smtClean="0"/>
-              <a:t> auf </a:t>
-            </a:r>
-            <a:r>
-              <a:rPr lang="en-US" dirty="0" err="1" smtClean="0"/>
-              <a:t>Reflection.Emit</a:t>
-            </a:r>
-            <a:endParaRPr lang="en-US" dirty="0" smtClean="0"/>
-          </a:p>
-          <a:p>
-            <a:pPr lvl="1"/>
-            <a:r>
-              <a:rPr lang="en-US" dirty="0" err="1" smtClean="0"/>
-              <a:t>Nur</a:t>
-            </a:r>
-            <a:r>
-              <a:rPr lang="en-US" dirty="0" smtClean="0"/>
-              <a:t> f</a:t>
-            </a:r>
-            <a:r>
-              <a:rPr lang="de-AT" dirty="0" smtClean="0"/>
-              <a:t>ür statische Methoden, keine </a:t>
-            </a:r>
-            <a:r>
-              <a:rPr lang="en-US" dirty="0" smtClean="0"/>
-              <a:t>“</a:t>
-            </a:r>
-            <a:r>
-              <a:rPr lang="de-AT" dirty="0" smtClean="0"/>
-              <a:t>base calls“</a:t>
-            </a:r>
-          </a:p>
-          <a:p>
-            <a:pPr lvl="1"/>
-            <a:r>
-              <a:rPr lang="en-US" dirty="0" err="1" smtClean="0"/>
-              <a:t>Nicht</a:t>
-            </a:r>
-            <a:r>
-              <a:rPr lang="en-US" dirty="0" smtClean="0"/>
-              <a:t> </a:t>
-            </a:r>
-            <a:r>
-              <a:rPr lang="en-US" dirty="0" err="1" smtClean="0"/>
-              <a:t>erweiterbar</a:t>
-            </a:r>
-            <a:endParaRPr lang="en-US" dirty="0" smtClean="0"/>
-          </a:p>
-          <a:p>
+              <a:t>11.07.2013</a:t>
+            </a:r>
             <a:endParaRPr lang="en-US" dirty="0"/>
-          </a:p>
-        </p:txBody>
-      </p:sp>
-      <p:sp>
-        <p:nvSpPr>
-          <p:cNvPr id="4" name="Date Placeholder 3"/>
-          <p:cNvSpPr>
-            <a:spLocks noGrp="1"/>
-          </p:cNvSpPr>
-          <p:nvPr>
-            <p:ph type="dt" sz="half" idx="10"/>
-          </p:nvPr>
-        </p:nvSpPr>
-        <p:spPr/>
-        <p:txBody>
-          <a:bodyPr/>
-          <a:lstStyle/>
-          <a:p>
-            <a:r>
-              <a:rPr lang="en-US" smtClean="0"/>
-              <a:t>12.09.2012</a:t>
-            </a:r>
-            <a:endParaRPr lang="en-US"/>
           </a:p>
         </p:txBody>
       </p:sp>
@@ -2711,8 +2503,8 @@
               <a:t>13</a:t>
             </a:fld>
             <a:r>
-              <a:rPr lang="en-US" smtClean="0"/>
-              <a:t> / 24</a:t>
+              <a:rPr lang="en-US" dirty="0" smtClean="0"/>
+              <a:t> / 16</a:t>
             </a:r>
             <a:endParaRPr lang="en-US" dirty="0" smtClean="0"/>
           </a:p>
@@ -2721,7 +2513,7 @@
     </p:spTree>
     <p:extLst>
       <p:ext uri="{BB962C8B-B14F-4D97-AF65-F5344CB8AC3E}">
-        <p14:creationId xmlns:p14="http://schemas.microsoft.com/office/powerpoint/2010/main" val="2735995523"/>
+        <p14:creationId xmlns:p14="http://schemas.microsoft.com/office/powerpoint/2010/main" val="470877449"/>
       </p:ext>
     </p:extLst>
   </p:cSld>
@@ -2767,55 +2559,118 @@
         </p:nvSpPr>
         <p:spPr/>
         <p:txBody>
-          <a:bodyPr>
-            <a:normAutofit fontScale="90000"/>
-          </a:bodyPr>
-          <a:lstStyle/>
-          <a:p>
-            <a:r>
-              <a:rPr lang="en-US" dirty="0" smtClean="0"/>
-              <a:t>Lambda Compiler - </a:t>
-            </a:r>
-            <a:r>
-              <a:rPr lang="en-US" dirty="0" err="1" smtClean="0"/>
-              <a:t>Implementierung</a:t>
+          <a:bodyPr/>
+          <a:lstStyle/>
+          <a:p>
+            <a:r>
+              <a:rPr lang="en-US" smtClean="0"/>
+              <a:t>Vorteile - Ergebnisse</a:t>
             </a:r>
             <a:endParaRPr lang="en-US" dirty="0"/>
           </a:p>
         </p:txBody>
       </p:sp>
-      <p:pic>
-        <p:nvPicPr>
-          <p:cNvPr id="68" name="Content Placeholder 67"/>
-          <p:cNvPicPr>
-            <a:picLocks noGrp="1" noChangeAspect="1"/>
-          </p:cNvPicPr>
+      <p:sp>
+        <p:nvSpPr>
+          <p:cNvPr id="3" name="Content Placeholder 2"/>
+          <p:cNvSpPr>
+            <a:spLocks noGrp="1"/>
+          </p:cNvSpPr>
           <p:nvPr>
             <p:ph idx="1"/>
           </p:nvPr>
-        </p:nvPicPr>
-        <p:blipFill>
-          <a:blip r:embed="rId2">
-            <a:extLst>
-              <a:ext uri="{28A0092B-C50C-407E-A947-70E740481C1C}">
-                <a14:useLocalDpi xmlns:a14="http://schemas.microsoft.com/office/drawing/2010/main" val="0"/>
-              </a:ext>
-            </a:extLst>
-          </a:blip>
-          <a:stretch>
-            <a:fillRect/>
-          </a:stretch>
-        </p:blipFill>
+        </p:nvSpPr>
         <p:spPr>
           <a:xfrm>
-            <a:off x="1447800" y="2286001"/>
-            <a:ext cx="6182137" cy="2743199"/>
+            <a:off x="457200" y="1600200"/>
+            <a:ext cx="8001000" cy="4525963"/>
           </a:xfrm>
         </p:spPr>
-      </p:pic>
-      <p:sp>
-        <p:nvSpPr>
-          <p:cNvPr id="3" name="Date Placeholder 2"/>
+        <p:txBody>
+          <a:bodyPr>
+            <a:normAutofit/>
+          </a:bodyPr>
+          <a:lstStyle/>
+          <a:p>
+            <a:r>
+              <a:rPr lang="en-US" dirty="0" smtClean="0"/>
+              <a:t>Integration </a:t>
+            </a:r>
+            <a:r>
+              <a:rPr lang="en-US" dirty="0" err="1" smtClean="0"/>
+              <a:t>ohne</a:t>
+            </a:r>
+            <a:r>
+              <a:rPr lang="en-US" dirty="0" smtClean="0"/>
+              <a:t> </a:t>
+            </a:r>
+            <a:r>
+              <a:rPr lang="en-US" dirty="0" err="1" smtClean="0"/>
+              <a:t>explizite</a:t>
+            </a:r>
+            <a:r>
+              <a:rPr lang="en-US" dirty="0" smtClean="0"/>
+              <a:t> </a:t>
+            </a:r>
+            <a:r>
+              <a:rPr lang="en-US" dirty="0" err="1" smtClean="0"/>
+              <a:t>Abh</a:t>
+            </a:r>
+            <a:r>
+              <a:rPr lang="de-AT" dirty="0" smtClean="0"/>
+              <a:t>ängigkeiten</a:t>
+            </a:r>
+          </a:p>
+          <a:p>
+            <a:r>
+              <a:rPr lang="en-US" dirty="0" err="1" smtClean="0"/>
+              <a:t>Höhere</a:t>
+            </a:r>
+            <a:r>
+              <a:rPr lang="en-US" dirty="0" smtClean="0"/>
+              <a:t> </a:t>
+            </a:r>
+            <a:r>
+              <a:rPr lang="en-US" dirty="0" err="1" smtClean="0"/>
+              <a:t>Abstraktionsebene</a:t>
+            </a:r>
+            <a:endParaRPr lang="en-US" dirty="0" smtClean="0"/>
+          </a:p>
+          <a:p>
+            <a:r>
+              <a:rPr lang="en-US" dirty="0" err="1" smtClean="0"/>
+              <a:t>Infrastruktur-Dienste</a:t>
+            </a:r>
+            <a:endParaRPr lang="en-US" dirty="0" smtClean="0"/>
+          </a:p>
+          <a:p>
+            <a:pPr marL="457200" lvl="1" indent="0">
+              <a:buNone/>
+            </a:pPr>
+            <a:r>
+              <a:rPr lang="de-DE" dirty="0" smtClean="0"/>
+              <a:t>zB: Caching, Serialisierung,</a:t>
+            </a:r>
+            <a:br>
+              <a:rPr lang="de-DE" dirty="0" smtClean="0"/>
+            </a:br>
+            <a:r>
+              <a:rPr lang="de-DE" dirty="0" smtClean="0"/>
+              <a:t>	 Reihenfolge der Modifikationen</a:t>
+            </a:r>
+            <a:endParaRPr lang="en-US" dirty="0" smtClean="0"/>
+          </a:p>
+          <a:p>
+            <a:endParaRPr lang="de-AT" dirty="0" smtClean="0"/>
+          </a:p>
+          <a:p>
+            <a:endParaRPr lang="en-US" dirty="0"/>
+          </a:p>
+        </p:txBody>
+      </p:sp>
+      <p:sp>
+        <p:nvSpPr>
+          <p:cNvPr id="4" name="Date Placeholder 3"/>
           <p:cNvSpPr>
             <a:spLocks noGrp="1"/>
           </p:cNvSpPr>
@@ -2829,8 +2684,31 @@
           <a:lstStyle/>
           <a:p>
             <a:r>
-              <a:rPr lang="en-US" smtClean="0"/>
-              <a:t>12.09.2012</a:t>
+              <a:rPr lang="en-US" dirty="0"/>
+              <a:t>11.07.2013</a:t>
+            </a:r>
+            <a:endParaRPr lang="en-US" dirty="0"/>
+          </a:p>
+        </p:txBody>
+      </p:sp>
+      <p:sp>
+        <p:nvSpPr>
+          <p:cNvPr id="5" name="Footer Placeholder 4"/>
+          <p:cNvSpPr>
+            <a:spLocks noGrp="1"/>
+          </p:cNvSpPr>
+          <p:nvPr>
+            <p:ph type="ftr" sz="quarter" idx="11"/>
+          </p:nvPr>
+        </p:nvSpPr>
+        <p:spPr/>
+        <p:txBody>
+          <a:bodyPr/>
+          <a:lstStyle/>
+          <a:p>
+            <a:r>
+              <a:rPr lang="en-US" smtClean="0"/>
+              <a:t>Julian Lettner</a:t>
             </a:r>
             <a:endParaRPr lang="en-US"/>
           </a:p>
@@ -2838,30 +2716,7 @@
       </p:sp>
       <p:sp>
         <p:nvSpPr>
-          <p:cNvPr id="4" name="Footer Placeholder 3"/>
-          <p:cNvSpPr>
-            <a:spLocks noGrp="1"/>
-          </p:cNvSpPr>
-          <p:nvPr>
-            <p:ph type="ftr" sz="quarter" idx="11"/>
-          </p:nvPr>
-        </p:nvSpPr>
-        <p:spPr/>
-        <p:txBody>
-          <a:bodyPr/>
-          <a:lstStyle/>
-          <a:p>
-            <a:r>
-              <a:rPr lang="en-US" smtClean="0"/>
-              <a:t>Julian Lettner</a:t>
-            </a:r>
-            <a:endParaRPr lang="en-US"/>
-          </a:p>
-        </p:txBody>
-      </p:sp>
-      <p:sp>
-        <p:nvSpPr>
-          <p:cNvPr id="5" name="Slide Number Placeholder 4"/>
+          <p:cNvPr id="6" name="Slide Number Placeholder 5"/>
           <p:cNvSpPr>
             <a:spLocks noGrp="1"/>
           </p:cNvSpPr>
@@ -2880,8 +2735,8 @@
               <a:t>14</a:t>
             </a:fld>
             <a:r>
-              <a:rPr lang="en-US" smtClean="0"/>
-              <a:t> / 24</a:t>
+              <a:rPr lang="en-US" dirty="0" smtClean="0"/>
+              <a:t> / 16</a:t>
             </a:r>
             <a:endParaRPr lang="en-US" dirty="0" smtClean="0"/>
           </a:p>
@@ -2890,7 +2745,7 @@
     </p:spTree>
     <p:extLst>
       <p:ext uri="{BB962C8B-B14F-4D97-AF65-F5344CB8AC3E}">
-        <p14:creationId xmlns:p14="http://schemas.microsoft.com/office/powerpoint/2010/main" val="2431380306"/>
+        <p14:creationId xmlns:p14="http://schemas.microsoft.com/office/powerpoint/2010/main" val="4175817167"/>
       </p:ext>
     </p:extLst>
   </p:cSld>
@@ -2936,18 +2791,20 @@
         </p:nvSpPr>
         <p:spPr/>
         <p:txBody>
-          <a:bodyPr>
-            <a:normAutofit fontScale="90000"/>
-          </a:bodyPr>
-          <a:lstStyle/>
-          <a:p>
-            <a:r>
-              <a:rPr lang="en-US" dirty="0"/>
-              <a:t>Lambda Compiler - </a:t>
-            </a:r>
-            <a:r>
-              <a:rPr lang="en-US" dirty="0" err="1"/>
-              <a:t>Implementierung</a:t>
+          <a:bodyPr/>
+          <a:lstStyle/>
+          <a:p>
+            <a:r>
+              <a:rPr lang="en-US" dirty="0" err="1" smtClean="0"/>
+              <a:t>Verwendung</a:t>
+            </a:r>
+            <a:r>
+              <a:rPr lang="en-US" dirty="0" smtClean="0"/>
+              <a:t> - </a:t>
+            </a:r>
+            <a:r>
+              <a:rPr lang="en-US" dirty="0" err="1" smtClean="0"/>
+              <a:t>Ergebnisse</a:t>
             </a:r>
             <a:endParaRPr lang="en-US" dirty="0"/>
           </a:p>
@@ -2963,403 +2820,76 @@
             <p:ph idx="1"/>
           </p:nvPr>
         </p:nvSpPr>
-        <p:spPr>
-          <a:xfrm>
-            <a:off x="457200" y="4724400"/>
-            <a:ext cx="7315200" cy="1676400"/>
-          </a:xfrm>
-        </p:spPr>
-        <p:txBody>
-          <a:bodyPr>
-            <a:normAutofit/>
-          </a:bodyPr>
-          <a:lstStyle/>
-          <a:p>
-            <a:pPr marL="0" indent="0">
+        <p:spPr/>
+        <p:txBody>
+          <a:bodyPr/>
+          <a:lstStyle/>
+          <a:p>
+            <a:pPr marL="0" indent="0" algn="ctr">
               <a:buNone/>
             </a:pPr>
-            <a:r>
-              <a:rPr lang="en-US" sz="2400" dirty="0"/>
-              <a:t>	</a:t>
-            </a:r>
-            <a:r>
-              <a:rPr lang="en-US" sz="1800" dirty="0" smtClean="0"/>
-              <a:t>Standard-Expression</a:t>
-            </a:r>
-          </a:p>
-          <a:p>
-            <a:pPr marL="0" indent="0">
-              <a:buNone/>
-            </a:pPr>
-            <a:r>
-              <a:rPr lang="en-US" sz="1800" dirty="0"/>
-              <a:t>	</a:t>
-            </a:r>
-            <a:r>
-              <a:rPr lang="en-US" sz="1800" dirty="0" smtClean="0"/>
-              <a:t>Standard-Expression </a:t>
-            </a:r>
-            <a:r>
-              <a:rPr lang="en-US" sz="1800" dirty="0" err="1" smtClean="0"/>
-              <a:t>mit</a:t>
-            </a:r>
-            <a:r>
-              <a:rPr lang="en-US" sz="1800" dirty="0" smtClean="0"/>
-              <a:t> “Mutable Reflection”-</a:t>
-            </a:r>
-            <a:r>
-              <a:rPr lang="en-US" sz="1800" dirty="0" err="1" smtClean="0"/>
-              <a:t>Objekten</a:t>
-            </a:r>
-            <a:endParaRPr lang="en-US" sz="1800" dirty="0" smtClean="0"/>
-          </a:p>
-          <a:p>
-            <a:pPr marL="0" indent="0">
-              <a:buNone/>
-            </a:pPr>
-            <a:r>
-              <a:rPr lang="en-US" sz="1800" dirty="0"/>
-              <a:t>	</a:t>
-            </a:r>
-            <a:r>
-              <a:rPr lang="en-US" sz="1800" dirty="0" smtClean="0"/>
-              <a:t>Custom-Expression, </a:t>
-            </a:r>
-            <a:r>
-              <a:rPr lang="en-US" sz="1800" dirty="0" err="1" smtClean="0"/>
-              <a:t>reduzierbar</a:t>
-            </a:r>
-            <a:endParaRPr lang="en-US" sz="1800" dirty="0" smtClean="0"/>
-          </a:p>
-          <a:p>
-            <a:pPr marL="0" indent="0">
-              <a:buNone/>
-            </a:pPr>
-            <a:r>
-              <a:rPr lang="en-US" sz="1800" dirty="0" smtClean="0"/>
-              <a:t>	Custom-Expression, </a:t>
-            </a:r>
-            <a:r>
-              <a:rPr lang="en-US" sz="1800" dirty="0" err="1" smtClean="0"/>
-              <a:t>nicht</a:t>
-            </a:r>
-            <a:r>
-              <a:rPr lang="en-US" sz="1800" dirty="0" smtClean="0"/>
+            <a:endParaRPr lang="en-US" sz="1600" dirty="0" smtClean="0"/>
+          </a:p>
+          <a:p>
+            <a:pPr lvl="1"/>
+            <a:r>
+              <a:rPr lang="en-US" sz="3600" dirty="0" smtClean="0"/>
               <a:t> </a:t>
             </a:r>
             <a:r>
-              <a:rPr lang="en-US" sz="1800" dirty="0" err="1" smtClean="0"/>
-              <a:t>reduzierbar</a:t>
-            </a:r>
-            <a:endParaRPr lang="en-US" sz="2400" dirty="0"/>
-          </a:p>
-        </p:txBody>
-      </p:sp>
-      <p:sp>
-        <p:nvSpPr>
-          <p:cNvPr id="72" name="TextBox 71"/>
-          <p:cNvSpPr txBox="1"/>
-          <p:nvPr/>
-        </p:nvSpPr>
-        <p:spPr>
-          <a:xfrm>
-            <a:off x="1021596" y="4819789"/>
-            <a:ext cx="365760" cy="292070"/>
-          </a:xfrm>
-          <a:prstGeom prst="roundRect">
-            <a:avLst>
-              <a:gd name="adj" fmla="val 0"/>
-            </a:avLst>
-          </a:prstGeom>
-          <a:gradFill flip="none" rotWithShape="1">
-            <a:gsLst>
-              <a:gs pos="0">
-                <a:schemeClr val="tx2">
-                  <a:lumMod val="35000"/>
-                  <a:lumOff val="65000"/>
-                </a:schemeClr>
-              </a:gs>
-              <a:gs pos="100000">
-                <a:schemeClr val="tx2">
-                  <a:lumMod val="60000"/>
-                  <a:lumOff val="40000"/>
-                </a:schemeClr>
-              </a:gs>
-            </a:gsLst>
-            <a:lin ang="4200000" scaled="0"/>
-            <a:tileRect/>
-          </a:gradFill>
-        </p:spPr>
-        <p:style>
-          <a:lnRef idx="1">
-            <a:schemeClr val="dk1"/>
-          </a:lnRef>
-          <a:fillRef idx="2">
-            <a:schemeClr val="dk1"/>
-          </a:fillRef>
-          <a:effectRef idx="1">
-            <a:schemeClr val="dk1"/>
-          </a:effectRef>
-          <a:fontRef idx="minor">
-            <a:schemeClr val="dk1"/>
-          </a:fontRef>
-        </p:style>
-        <p:txBody>
-          <a:bodyPr vert="horz" wrap="square" rtlCol="0" anchor="ctr" anchorCtr="0">
-            <a:noAutofit/>
-          </a:bodyPr>
-          <a:lstStyle>
-            <a:defPPr>
-              <a:defRPr lang="de-DE"/>
-            </a:defPPr>
-            <a:lvl1pPr algn="ctr">
-              <a:defRPr sz="1400" i="1">
-                <a:solidFill>
-                  <a:schemeClr val="tx1"/>
-                </a:solidFill>
-                <a:latin typeface="+mj-lt"/>
-              </a:defRPr>
-            </a:lvl1pPr>
-          </a:lstStyle>
-          <a:p>
-            <a:endParaRPr lang="de-AT" dirty="0"/>
-          </a:p>
-        </p:txBody>
-      </p:sp>
-      <p:pic>
-        <p:nvPicPr>
-          <p:cNvPr id="73" name="Picture 72"/>
-          <p:cNvPicPr>
-            <a:picLocks noChangeAspect="1"/>
-          </p:cNvPicPr>
-          <p:nvPr/>
-        </p:nvPicPr>
-        <p:blipFill>
-          <a:blip r:embed="rId2">
-            <a:extLst>
-              <a:ext uri="{28A0092B-C50C-407E-A947-70E740481C1C}">
-                <a14:useLocalDpi xmlns:a14="http://schemas.microsoft.com/office/drawing/2010/main" val="0"/>
-              </a:ext>
-            </a:extLst>
-          </a:blip>
-          <a:stretch>
-            <a:fillRect/>
-          </a:stretch>
-        </p:blipFill>
-        <p:spPr>
-          <a:xfrm>
-            <a:off x="36578" y="1574544"/>
-            <a:ext cx="9130669" cy="2899833"/>
-          </a:xfrm>
-          <a:prstGeom prst="rect">
-            <a:avLst/>
-          </a:prstGeom>
-        </p:spPr>
-      </p:pic>
-      <p:sp>
-        <p:nvSpPr>
-          <p:cNvPr id="74" name="TextBox 73"/>
-          <p:cNvSpPr txBox="1"/>
-          <p:nvPr/>
-        </p:nvSpPr>
-        <p:spPr>
-          <a:xfrm>
-            <a:off x="1023096" y="5169981"/>
-            <a:ext cx="365760" cy="292070"/>
-          </a:xfrm>
-          <a:prstGeom prst="roundRect">
-            <a:avLst>
-              <a:gd name="adj" fmla="val 0"/>
-            </a:avLst>
-          </a:prstGeom>
-          <a:gradFill flip="none" rotWithShape="1">
-            <a:gsLst>
-              <a:gs pos="0">
-                <a:schemeClr val="accent4">
-                  <a:lumMod val="60000"/>
-                  <a:lumOff val="40000"/>
-                </a:schemeClr>
-              </a:gs>
-              <a:gs pos="100000">
-                <a:schemeClr val="accent4">
-                  <a:lumMod val="95000"/>
-                  <a:lumOff val="5000"/>
-                </a:schemeClr>
-              </a:gs>
-            </a:gsLst>
-            <a:lin ang="4200000" scaled="0"/>
-            <a:tileRect/>
-          </a:gradFill>
-        </p:spPr>
-        <p:style>
-          <a:lnRef idx="1">
-            <a:schemeClr val="dk1"/>
-          </a:lnRef>
-          <a:fillRef idx="2">
-            <a:schemeClr val="dk1"/>
-          </a:fillRef>
-          <a:effectRef idx="1">
-            <a:schemeClr val="dk1"/>
-          </a:effectRef>
-          <a:fontRef idx="minor">
-            <a:schemeClr val="dk1"/>
-          </a:fontRef>
-        </p:style>
-        <p:txBody>
-          <a:bodyPr vert="horz" wrap="square" rtlCol="0" anchor="ctr" anchorCtr="0">
-            <a:noAutofit/>
-          </a:bodyPr>
-          <a:lstStyle>
-            <a:defPPr>
-              <a:defRPr lang="de-DE"/>
-            </a:defPPr>
-            <a:lvl1pPr algn="ctr">
-              <a:defRPr sz="1400" i="1">
-                <a:solidFill>
-                  <a:schemeClr val="tx1"/>
-                </a:solidFill>
-                <a:latin typeface="+mj-lt"/>
-              </a:defRPr>
-            </a:lvl1pPr>
-          </a:lstStyle>
-          <a:p>
-            <a:endParaRPr lang="de-AT" dirty="0"/>
-          </a:p>
-        </p:txBody>
-      </p:sp>
-      <p:sp>
-        <p:nvSpPr>
-          <p:cNvPr id="75" name="TextBox 74"/>
-          <p:cNvSpPr txBox="1"/>
-          <p:nvPr/>
-        </p:nvSpPr>
-        <p:spPr>
-          <a:xfrm>
-            <a:off x="1023094" y="5523855"/>
-            <a:ext cx="365760" cy="284516"/>
-          </a:xfrm>
-          <a:prstGeom prst="roundRect">
-            <a:avLst>
-              <a:gd name="adj" fmla="val 0"/>
-            </a:avLst>
-          </a:prstGeom>
-          <a:gradFill flip="none" rotWithShape="1">
-            <a:gsLst>
-              <a:gs pos="0">
-                <a:schemeClr val="accent2">
-                  <a:lumMod val="61000"/>
-                  <a:lumOff val="39000"/>
-                </a:schemeClr>
-              </a:gs>
-              <a:gs pos="100000">
-                <a:schemeClr val="accent2">
-                  <a:lumMod val="84000"/>
-                  <a:lumOff val="16000"/>
-                </a:schemeClr>
-              </a:gs>
-            </a:gsLst>
-            <a:lin ang="4200000" scaled="0"/>
-            <a:tileRect/>
-          </a:gradFill>
-        </p:spPr>
-        <p:style>
-          <a:lnRef idx="1">
-            <a:schemeClr val="dk1"/>
-          </a:lnRef>
-          <a:fillRef idx="2">
-            <a:schemeClr val="dk1"/>
-          </a:fillRef>
-          <a:effectRef idx="1">
-            <a:schemeClr val="dk1"/>
-          </a:effectRef>
-          <a:fontRef idx="minor">
-            <a:schemeClr val="dk1"/>
-          </a:fontRef>
-        </p:style>
-        <p:txBody>
-          <a:bodyPr vert="horz" wrap="square" rtlCol="0" anchor="ctr" anchorCtr="0">
-            <a:noAutofit/>
-          </a:bodyPr>
-          <a:lstStyle>
-            <a:defPPr>
-              <a:defRPr lang="de-DE"/>
-            </a:defPPr>
-            <a:lvl1pPr algn="ctr">
-              <a:defRPr sz="1400" i="1">
-                <a:solidFill>
-                  <a:schemeClr val="tx1"/>
-                </a:solidFill>
-                <a:latin typeface="+mj-lt"/>
-              </a:defRPr>
-            </a:lvl1pPr>
-          </a:lstStyle>
-          <a:p>
-            <a:endParaRPr lang="de-AT" dirty="0"/>
-          </a:p>
-        </p:txBody>
-      </p:sp>
-      <p:sp>
-        <p:nvSpPr>
-          <p:cNvPr id="76" name="TextBox 75"/>
-          <p:cNvSpPr txBox="1"/>
-          <p:nvPr/>
-        </p:nvSpPr>
-        <p:spPr>
-          <a:xfrm>
-            <a:off x="1023096" y="5866110"/>
-            <a:ext cx="365760" cy="284515"/>
-          </a:xfrm>
-          <a:prstGeom prst="roundRect">
-            <a:avLst>
-              <a:gd name="adj" fmla="val 0"/>
-            </a:avLst>
-          </a:prstGeom>
-          <a:gradFill flip="none" rotWithShape="1">
-            <a:gsLst>
-              <a:gs pos="0">
-                <a:srgbClr val="AAD89A"/>
-              </a:gs>
-              <a:gs pos="100000">
-                <a:srgbClr val="59A33F"/>
-              </a:gs>
-            </a:gsLst>
-            <a:lin ang="4200000" scaled="0"/>
-            <a:tileRect/>
-          </a:gradFill>
-        </p:spPr>
-        <p:style>
-          <a:lnRef idx="1">
-            <a:schemeClr val="dk1"/>
-          </a:lnRef>
-          <a:fillRef idx="2">
-            <a:schemeClr val="dk1"/>
-          </a:fillRef>
-          <a:effectRef idx="1">
-            <a:schemeClr val="dk1"/>
-          </a:effectRef>
-          <a:fontRef idx="minor">
-            <a:schemeClr val="dk1"/>
-          </a:fontRef>
-        </p:style>
-        <p:txBody>
-          <a:bodyPr vert="horz" wrap="square" rtlCol="0" anchor="ctr" anchorCtr="0">
-            <a:noAutofit/>
-          </a:bodyPr>
-          <a:lstStyle>
-            <a:defPPr>
-              <a:defRPr lang="de-DE"/>
-            </a:defPPr>
-            <a:lvl1pPr algn="ctr">
-              <a:defRPr sz="1400" i="1">
-                <a:solidFill>
-                  <a:schemeClr val="tx1"/>
-                </a:solidFill>
-                <a:latin typeface="+mj-lt"/>
-              </a:defRPr>
-            </a:lvl1pPr>
-          </a:lstStyle>
-          <a:p>
-            <a:endParaRPr lang="de-AT" dirty="0"/>
+              <a:rPr lang="en-US" sz="3800" dirty="0" err="1" smtClean="0"/>
+              <a:t>Remotion</a:t>
+            </a:r>
+            <a:r>
+              <a:rPr lang="en-US" sz="3200" dirty="0" smtClean="0"/>
+              <a:t> </a:t>
+            </a:r>
+            <a:r>
+              <a:rPr lang="en-US" sz="2600" dirty="0" smtClean="0"/>
+              <a:t>(re-store, re-mix)</a:t>
+            </a:r>
+          </a:p>
+          <a:p>
+            <a:pPr lvl="1"/>
+            <a:r>
+              <a:rPr lang="en-US" sz="3600" dirty="0"/>
+              <a:t> </a:t>
+            </a:r>
+            <a:r>
+              <a:rPr lang="en-US" sz="3800" dirty="0" smtClean="0"/>
+              <a:t>Active Attributes</a:t>
+            </a:r>
+          </a:p>
+          <a:p>
+            <a:pPr marL="1487488" indent="-341313"/>
+            <a:r>
+              <a:rPr lang="en-US" sz="2800" dirty="0" smtClean="0"/>
+              <a:t>AOP Framework</a:t>
+            </a:r>
+          </a:p>
+          <a:p>
+            <a:pPr marL="1487488" indent="-341313"/>
+            <a:r>
+              <a:rPr lang="de-AT" sz="2800" dirty="0" smtClean="0"/>
+              <a:t>Aspekte mit Hilfe von Attributen</a:t>
+            </a:r>
+          </a:p>
+          <a:p>
+            <a:pPr marL="1487488" indent="-341313"/>
+            <a:r>
+              <a:rPr lang="de-AT" sz="2800" dirty="0" smtClean="0"/>
+              <a:t>Ähnlich zu PostSharp</a:t>
+            </a:r>
+          </a:p>
+          <a:p>
+            <a:pPr marL="1487488" indent="-341313"/>
+            <a:r>
+              <a:rPr lang="en-US" sz="2800" dirty="0" smtClean="0">
+                <a:hlinkClick r:id="rId2"/>
+              </a:rPr>
+              <a:t>ActiveAttributes.codeplex.com</a:t>
+            </a:r>
+            <a:endParaRPr lang="de-AT" sz="2800" dirty="0" smtClean="0"/>
           </a:p>
         </p:txBody>
       </p:sp>
@@ -3379,10 +2909,10 @@
           <a:lstStyle/>
           <a:p>
             <a:r>
-              <a:rPr lang="en-US" smtClean="0"/>
-              <a:t>12.09.2012</a:t>
-            </a:r>
-            <a:endParaRPr lang="en-US"/>
+              <a:rPr lang="en-US" dirty="0"/>
+              <a:t>11.07.2013</a:t>
+            </a:r>
+            <a:endParaRPr lang="en-US" dirty="0"/>
           </a:p>
         </p:txBody>
       </p:sp>
@@ -3430,8 +2960,8 @@
               <a:t>15</a:t>
             </a:fld>
             <a:r>
-              <a:rPr lang="en-US" smtClean="0"/>
-              <a:t> / 24</a:t>
+              <a:rPr lang="en-US" dirty="0" smtClean="0"/>
+              <a:t> / 16</a:t>
             </a:r>
             <a:endParaRPr lang="en-US" dirty="0" smtClean="0"/>
           </a:p>
@@ -3440,7 +2970,7 @@
     </p:spTree>
     <p:extLst>
       <p:ext uri="{BB962C8B-B14F-4D97-AF65-F5344CB8AC3E}">
-        <p14:creationId xmlns:p14="http://schemas.microsoft.com/office/powerpoint/2010/main" val="123524916"/>
+        <p14:creationId xmlns:p14="http://schemas.microsoft.com/office/powerpoint/2010/main" val="1739998261"/>
       </p:ext>
     </p:extLst>
   </p:cSld>
@@ -3476,37 +3006,6 @@
       </p:grpSpPr>
       <p:sp>
         <p:nvSpPr>
-          <p:cNvPr id="2" name="Title 1"/>
-          <p:cNvSpPr>
-            <a:spLocks noGrp="1"/>
-          </p:cNvSpPr>
-          <p:nvPr>
-            <p:ph type="title"/>
-          </p:nvPr>
-        </p:nvSpPr>
-        <p:spPr/>
-        <p:txBody>
-          <a:bodyPr/>
-          <a:lstStyle/>
-          <a:p>
-            <a:r>
-              <a:rPr lang="en-US" dirty="0" err="1" smtClean="0"/>
-              <a:t>Beispiel</a:t>
-            </a:r>
-            <a:r>
-              <a:rPr lang="en-US" dirty="0" smtClean="0"/>
-              <a:t> - </a:t>
-            </a:r>
-            <a:r>
-              <a:rPr lang="en-US" dirty="0" err="1" smtClean="0"/>
-              <a:t>Ergebnisse</a:t>
-            </a:r>
-            <a:endParaRPr lang="en-US" dirty="0"/>
-          </a:p>
-        </p:txBody>
-      </p:sp>
-      <p:sp>
-        <p:nvSpPr>
           <p:cNvPr id="3" name="Content Placeholder 2"/>
           <p:cNvSpPr>
             <a:spLocks noGrp="1"/>
@@ -3515,77 +3014,126 @@
             <p:ph idx="1"/>
           </p:nvPr>
         </p:nvSpPr>
-        <p:spPr/>
-        <p:txBody>
-          <a:bodyPr>
-            <a:normAutofit/>
-          </a:bodyPr>
+        <p:spPr>
+          <a:xfrm>
+            <a:off x="457200" y="685800"/>
+            <a:ext cx="8229600" cy="5440363"/>
+          </a:xfrm>
+        </p:spPr>
+        <p:txBody>
+          <a:bodyPr/>
           <a:lstStyle/>
           <a:p>
             <a:pPr marL="0" indent="0" algn="ctr">
               <a:buNone/>
             </a:pPr>
-            <a:r>
-              <a:rPr lang="en-US" sz="2800" dirty="0" err="1" smtClean="0"/>
-              <a:t>Beispiel</a:t>
-            </a:r>
-            <a:r>
-              <a:rPr lang="en-US" sz="2800" dirty="0" smtClean="0"/>
-              <a:t>: O/R Mapper</a:t>
-            </a:r>
+            <a:endParaRPr lang="en-US" sz="4800" dirty="0" smtClean="0">
+              <a:latin typeface="+mj-lt"/>
+              <a:cs typeface="Consolas" pitchFamily="49" charset="0"/>
+              <a:hlinkClick r:id="rId2"/>
+            </a:endParaRPr>
           </a:p>
           <a:p>
             <a:pPr marL="0" indent="0" algn="ctr">
               <a:buNone/>
             </a:pPr>
-            <a:endParaRPr lang="en-US" sz="2800" dirty="0"/>
-          </a:p>
-        </p:txBody>
-      </p:sp>
-      <p:pic>
-        <p:nvPicPr>
-          <p:cNvPr id="1026" name="Picture 2" descr="D:\Projects\Masterarbeit\Vorbereitungen\Presentation\hakimel-reveal.js-fa98bac\pictures\orm-start.png"/>
-          <p:cNvPicPr>
-            <a:picLocks noChangeAspect="1" noChangeArrowheads="1"/>
-          </p:cNvPicPr>
-          <p:nvPr/>
-        </p:nvPicPr>
-        <p:blipFill>
-          <a:blip r:embed="rId2">
-            <a:extLst>
-              <a:ext uri="{28A0092B-C50C-407E-A947-70E740481C1C}">
-                <a14:useLocalDpi xmlns:a14="http://schemas.microsoft.com/office/drawing/2010/main" val="0"/>
-              </a:ext>
-            </a:extLst>
-          </a:blip>
-          <a:srcRect/>
-          <a:stretch>
-            <a:fillRect/>
-          </a:stretch>
-        </p:blipFill>
-        <p:spPr bwMode="auto">
-          <a:xfrm>
-            <a:off x="2762250" y="2438400"/>
-            <a:ext cx="3638550" cy="3524250"/>
-          </a:xfrm>
-          <a:prstGeom prst="rect">
-            <a:avLst/>
-          </a:prstGeom>
-          <a:noFill/>
-          <a:extLst>
-            <a:ext uri="{909E8E84-426E-40DD-AFC4-6F175D3DCCD1}">
-              <a14:hiddenFill xmlns:a14="http://schemas.microsoft.com/office/drawing/2010/main">
-                <a:solidFill>
-                  <a:srgbClr val="FFFFFF"/>
-                </a:solidFill>
-              </a14:hiddenFill>
-            </a:ext>
-          </a:extLst>
-        </p:spPr>
-      </p:pic>
-      <p:sp>
-        <p:nvSpPr>
-          <p:cNvPr id="4" name="Date Placeholder 3"/>
+            <a:r>
+              <a:rPr lang="en-US" sz="4800" dirty="0" smtClean="0">
+                <a:latin typeface="+mj-lt"/>
+                <a:cs typeface="Consolas" pitchFamily="49" charset="0"/>
+                <a:hlinkClick r:id="rId2"/>
+              </a:rPr>
+              <a:t>TypePipe.codeplex.com</a:t>
+            </a:r>
+            <a:endParaRPr lang="en-US" sz="4800" dirty="0" smtClean="0">
+              <a:latin typeface="+mj-lt"/>
+              <a:cs typeface="Consolas" pitchFamily="49" charset="0"/>
+            </a:endParaRPr>
+          </a:p>
+          <a:p>
+            <a:pPr marL="0" indent="0" algn="ctr">
+              <a:buNone/>
+            </a:pPr>
+            <a:endParaRPr lang="en-US" sz="4800" dirty="0" smtClean="0">
+              <a:latin typeface="+mj-lt"/>
+              <a:cs typeface="Consolas" pitchFamily="49" charset="0"/>
+            </a:endParaRPr>
+          </a:p>
+          <a:p>
+            <a:pPr marL="0" indent="0" algn="ctr">
+              <a:buNone/>
+            </a:pPr>
+            <a:r>
+              <a:rPr lang="en-US" sz="2800" dirty="0" smtClean="0">
+                <a:latin typeface="+mj-lt"/>
+                <a:cs typeface="Consolas" pitchFamily="49" charset="0"/>
+              </a:rPr>
+              <a:t>Demo + </a:t>
+            </a:r>
+            <a:r>
+              <a:rPr lang="en-US" sz="2800" dirty="0" err="1" smtClean="0">
+                <a:latin typeface="+mj-lt"/>
+                <a:cs typeface="Consolas" pitchFamily="49" charset="0"/>
+              </a:rPr>
+              <a:t>Präsentation</a:t>
+            </a:r>
+            <a:endParaRPr lang="en-US" sz="2800" dirty="0" smtClean="0">
+              <a:latin typeface="+mj-lt"/>
+              <a:cs typeface="Consolas" pitchFamily="49" charset="0"/>
+            </a:endParaRPr>
+          </a:p>
+          <a:p>
+            <a:pPr marL="0" indent="0" algn="ctr">
+              <a:buNone/>
+            </a:pPr>
+            <a:r>
+              <a:rPr lang="en-US" dirty="0" smtClean="0">
+                <a:hlinkClick r:id="rId3"/>
+              </a:rPr>
+              <a:t>github.com/</a:t>
+            </a:r>
+            <a:r>
+              <a:rPr lang="en-US" dirty="0" err="1" smtClean="0">
+                <a:hlinkClick r:id="rId3"/>
+              </a:rPr>
+              <a:t>yln</a:t>
+            </a:r>
+            <a:r>
+              <a:rPr lang="en-US" dirty="0" smtClean="0">
+                <a:hlinkClick r:id="rId3"/>
+              </a:rPr>
+              <a:t>/</a:t>
+            </a:r>
+            <a:r>
+              <a:rPr lang="en-US" dirty="0" err="1" smtClean="0">
+                <a:hlinkClick r:id="rId3"/>
+              </a:rPr>
+              <a:t>TypePipeDemo</a:t>
+            </a:r>
+            <a:endParaRPr lang="en-US" dirty="0" smtClean="0"/>
+          </a:p>
+          <a:p>
+            <a:pPr marL="0" indent="0" algn="ctr">
+              <a:buNone/>
+            </a:pPr>
+            <a:r>
+              <a:rPr lang="en-US" dirty="0"/>
+              <a:t>http://goo.gl/oioXu</a:t>
+            </a:r>
+            <a:r>
+              <a:rPr lang="en-US" dirty="0" smtClean="0"/>
+              <a:t/>
+            </a:r>
+            <a:br>
+              <a:rPr lang="en-US" dirty="0" smtClean="0"/>
+            </a:br>
+            <a:endParaRPr lang="en-US" dirty="0"/>
+          </a:p>
+        </p:txBody>
+      </p:sp>
+      <p:sp>
+        <p:nvSpPr>
+          <p:cNvPr id="2" name="Date Placeholder 1"/>
           <p:cNvSpPr>
             <a:spLocks noGrp="1"/>
           </p:cNvSpPr>
@@ -3599,8 +3147,31 @@
           <a:lstStyle/>
           <a:p>
             <a:r>
-              <a:rPr lang="en-US" smtClean="0"/>
-              <a:t>12.09.2012</a:t>
+              <a:rPr lang="en-US" dirty="0" smtClean="0"/>
+              <a:t>11.07.2013</a:t>
+            </a:r>
+            <a:endParaRPr lang="en-US" dirty="0"/>
+          </a:p>
+        </p:txBody>
+      </p:sp>
+      <p:sp>
+        <p:nvSpPr>
+          <p:cNvPr id="4" name="Footer Placeholder 3"/>
+          <p:cNvSpPr>
+            <a:spLocks noGrp="1"/>
+          </p:cNvSpPr>
+          <p:nvPr>
+            <p:ph type="ftr" sz="quarter" idx="11"/>
+          </p:nvPr>
+        </p:nvSpPr>
+        <p:spPr/>
+        <p:txBody>
+          <a:bodyPr/>
+          <a:lstStyle/>
+          <a:p>
+            <a:r>
+              <a:rPr lang="en-US" smtClean="0"/>
+              <a:t>Julian Lettner</a:t>
             </a:r>
             <a:endParaRPr lang="en-US"/>
           </a:p>
@@ -3608,30 +3179,7 @@
       </p:sp>
       <p:sp>
         <p:nvSpPr>
-          <p:cNvPr id="5" name="Footer Placeholder 4"/>
-          <p:cNvSpPr>
-            <a:spLocks noGrp="1"/>
-          </p:cNvSpPr>
-          <p:nvPr>
-            <p:ph type="ftr" sz="quarter" idx="11"/>
-          </p:nvPr>
-        </p:nvSpPr>
-        <p:spPr/>
-        <p:txBody>
-          <a:bodyPr/>
-          <a:lstStyle/>
-          <a:p>
-            <a:r>
-              <a:rPr lang="en-US" smtClean="0"/>
-              <a:t>Julian Lettner</a:t>
-            </a:r>
-            <a:endParaRPr lang="en-US"/>
-          </a:p>
-        </p:txBody>
-      </p:sp>
-      <p:sp>
-        <p:nvSpPr>
-          <p:cNvPr id="6" name="Slide Number Placeholder 5"/>
+          <p:cNvPr id="5" name="Slide Number Placeholder 4"/>
           <p:cNvSpPr>
             <a:spLocks noGrp="1"/>
           </p:cNvSpPr>
@@ -3651,7 +3199,7 @@
             </a:fld>
             <a:r>
               <a:rPr lang="en-US" smtClean="0"/>
-              <a:t> / 24</a:t>
+              <a:t> / 16</a:t>
             </a:r>
             <a:endParaRPr lang="en-US" dirty="0" smtClean="0"/>
           </a:p>
@@ -3660,593 +3208,7 @@
     </p:spTree>
     <p:extLst>
       <p:ext uri="{BB962C8B-B14F-4D97-AF65-F5344CB8AC3E}">
-        <p14:creationId xmlns:p14="http://schemas.microsoft.com/office/powerpoint/2010/main" val="3057635169"/>
-      </p:ext>
-    </p:extLst>
-  </p:cSld>
-  <p:clrMapOvr>
-    <a:masterClrMapping/>
-  </p:clrMapOvr>
-  <p:timing>
-    <p:tnLst>
-      <p:par>
-        <p:cTn id="1" dur="indefinite" restart="never" nodeType="tmRoot"/>
-      </p:par>
-    </p:tnLst>
-  </p:timing>
-</p:sld>
-</file>
-
-<file path=ppt/slides/slide17.xml><?xml version="1.0" encoding="utf-8"?>
-<p:sld xmlns:a="http://schemas.openxmlformats.org/drawingml/2006/main" xmlns:r="http://schemas.openxmlformats.org/officeDocument/2006/relationships" xmlns:p="http://schemas.openxmlformats.org/presentationml/2006/main">
-  <p:cSld>
-    <p:spTree>
-      <p:nvGrpSpPr>
-        <p:cNvPr id="1" name=""/>
-        <p:cNvGrpSpPr/>
-        <p:nvPr/>
-      </p:nvGrpSpPr>
-      <p:grpSpPr>
-        <a:xfrm>
-          <a:off x="0" y="0"/>
-          <a:ext cx="0" cy="0"/>
-          <a:chOff x="0" y="0"/>
-          <a:chExt cx="0" cy="0"/>
-        </a:xfrm>
-      </p:grpSpPr>
-      <p:pic>
-        <p:nvPicPr>
-          <p:cNvPr id="2050" name="Picture 2" descr="D:\Projects\Masterarbeit\Vorbereitungen\Presentation\hakimel-reveal.js-fa98bac\pictures\orm-goal.png"/>
-          <p:cNvPicPr>
-            <a:picLocks noChangeAspect="1" noChangeArrowheads="1"/>
-          </p:cNvPicPr>
-          <p:nvPr/>
-        </p:nvPicPr>
-        <p:blipFill>
-          <a:blip r:embed="rId2">
-            <a:extLst>
-              <a:ext uri="{28A0092B-C50C-407E-A947-70E740481C1C}">
-                <a14:useLocalDpi xmlns:a14="http://schemas.microsoft.com/office/drawing/2010/main" val="0"/>
-              </a:ext>
-            </a:extLst>
-          </a:blip>
-          <a:srcRect/>
-          <a:stretch>
-            <a:fillRect/>
-          </a:stretch>
-        </p:blipFill>
-        <p:spPr bwMode="auto">
-          <a:xfrm>
-            <a:off x="1066800" y="443092"/>
-            <a:ext cx="7239000" cy="5805307"/>
-          </a:xfrm>
-          <a:prstGeom prst="rect">
-            <a:avLst/>
-          </a:prstGeom>
-          <a:noFill/>
-          <a:extLst>
-            <a:ext uri="{909E8E84-426E-40DD-AFC4-6F175D3DCCD1}">
-              <a14:hiddenFill xmlns:a14="http://schemas.microsoft.com/office/drawing/2010/main">
-                <a:solidFill>
-                  <a:srgbClr val="FFFFFF"/>
-                </a:solidFill>
-              </a14:hiddenFill>
-            </a:ext>
-          </a:extLst>
-        </p:spPr>
-      </p:pic>
-      <p:sp>
-        <p:nvSpPr>
-          <p:cNvPr id="2" name="Date Placeholder 1"/>
-          <p:cNvSpPr>
-            <a:spLocks noGrp="1"/>
-          </p:cNvSpPr>
-          <p:nvPr>
-            <p:ph type="dt" sz="half" idx="10"/>
-          </p:nvPr>
-        </p:nvSpPr>
-        <p:spPr/>
-        <p:txBody>
-          <a:bodyPr/>
-          <a:lstStyle/>
-          <a:p>
-            <a:r>
-              <a:rPr lang="en-US" smtClean="0"/>
-              <a:t>12.09.2012</a:t>
-            </a:r>
-            <a:endParaRPr lang="en-US"/>
-          </a:p>
-        </p:txBody>
-      </p:sp>
-      <p:sp>
-        <p:nvSpPr>
-          <p:cNvPr id="3" name="Footer Placeholder 2"/>
-          <p:cNvSpPr>
-            <a:spLocks noGrp="1"/>
-          </p:cNvSpPr>
-          <p:nvPr>
-            <p:ph type="ftr" sz="quarter" idx="11"/>
-          </p:nvPr>
-        </p:nvSpPr>
-        <p:spPr/>
-        <p:txBody>
-          <a:bodyPr/>
-          <a:lstStyle/>
-          <a:p>
-            <a:r>
-              <a:rPr lang="en-US" smtClean="0"/>
-              <a:t>Julian Lettner</a:t>
-            </a:r>
-            <a:endParaRPr lang="en-US"/>
-          </a:p>
-        </p:txBody>
-      </p:sp>
-      <p:sp>
-        <p:nvSpPr>
-          <p:cNvPr id="4" name="Slide Number Placeholder 3"/>
-          <p:cNvSpPr>
-            <a:spLocks noGrp="1"/>
-          </p:cNvSpPr>
-          <p:nvPr>
-            <p:ph type="sldNum" sz="quarter" idx="12"/>
-          </p:nvPr>
-        </p:nvSpPr>
-        <p:spPr/>
-        <p:txBody>
-          <a:bodyPr/>
-          <a:lstStyle/>
-          <a:p>
-            <a:fld id="{B6F15528-21DE-4FAA-801E-634DDDAF4B2B}" type="slidenum">
-              <a:rPr lang="en-US" smtClean="0"/>
-              <a:pPr/>
-              <a:t>17</a:t>
-            </a:fld>
-            <a:r>
-              <a:rPr lang="en-US" smtClean="0"/>
-              <a:t> / 24</a:t>
-            </a:r>
-            <a:endParaRPr lang="en-US" dirty="0" smtClean="0"/>
-          </a:p>
-        </p:txBody>
-      </p:sp>
-    </p:spTree>
-    <p:extLst>
-      <p:ext uri="{BB962C8B-B14F-4D97-AF65-F5344CB8AC3E}">
-        <p14:creationId xmlns:p14="http://schemas.microsoft.com/office/powerpoint/2010/main" val="185506983"/>
-      </p:ext>
-    </p:extLst>
-  </p:cSld>
-  <p:clrMapOvr>
-    <a:masterClrMapping/>
-  </p:clrMapOvr>
-  <p:timing>
-    <p:tnLst>
-      <p:par>
-        <p:cTn id="1" dur="indefinite" restart="never" nodeType="tmRoot"/>
-      </p:par>
-    </p:tnLst>
-  </p:timing>
-</p:sld>
-</file>
-
-<file path=ppt/slides/slide18.xml><?xml version="1.0" encoding="utf-8"?>
-<p:sld xmlns:a="http://schemas.openxmlformats.org/drawingml/2006/main" xmlns:r="http://schemas.openxmlformats.org/officeDocument/2006/relationships" xmlns:p="http://schemas.openxmlformats.org/presentationml/2006/main">
-  <p:cSld>
-    <p:spTree>
-      <p:nvGrpSpPr>
-        <p:cNvPr id="1" name=""/>
-        <p:cNvGrpSpPr/>
-        <p:nvPr/>
-      </p:nvGrpSpPr>
-      <p:grpSpPr>
-        <a:xfrm>
-          <a:off x="0" y="0"/>
-          <a:ext cx="0" cy="0"/>
-          <a:chOff x="0" y="0"/>
-          <a:chExt cx="0" cy="0"/>
-        </a:xfrm>
-      </p:grpSpPr>
-      <p:pic>
-        <p:nvPicPr>
-          <p:cNvPr id="3074" name="Picture 2" descr="D:\Projects\Masterarbeit\Vorbereitungen\Presentation\hakimel-reveal.js-fa98bac\pictures\orm-modify.png"/>
-          <p:cNvPicPr>
-            <a:picLocks noChangeAspect="1" noChangeArrowheads="1"/>
-          </p:cNvPicPr>
-          <p:nvPr/>
-        </p:nvPicPr>
-        <p:blipFill>
-          <a:blip r:embed="rId2">
-            <a:extLst>
-              <a:ext uri="{28A0092B-C50C-407E-A947-70E740481C1C}">
-                <a14:useLocalDpi xmlns:a14="http://schemas.microsoft.com/office/drawing/2010/main" val="0"/>
-              </a:ext>
-            </a:extLst>
-          </a:blip>
-          <a:srcRect/>
-          <a:stretch>
-            <a:fillRect/>
-          </a:stretch>
-        </p:blipFill>
-        <p:spPr bwMode="auto">
-          <a:xfrm>
-            <a:off x="896226" y="381000"/>
-            <a:ext cx="7240622" cy="5867400"/>
-          </a:xfrm>
-          <a:prstGeom prst="rect">
-            <a:avLst/>
-          </a:prstGeom>
-          <a:noFill/>
-          <a:extLst>
-            <a:ext uri="{909E8E84-426E-40DD-AFC4-6F175D3DCCD1}">
-              <a14:hiddenFill xmlns:a14="http://schemas.microsoft.com/office/drawing/2010/main">
-                <a:solidFill>
-                  <a:srgbClr val="FFFFFF"/>
-                </a:solidFill>
-              </a14:hiddenFill>
-            </a:ext>
-          </a:extLst>
-        </p:spPr>
-      </p:pic>
-      <p:sp>
-        <p:nvSpPr>
-          <p:cNvPr id="2" name="Date Placeholder 1"/>
-          <p:cNvSpPr>
-            <a:spLocks noGrp="1"/>
-          </p:cNvSpPr>
-          <p:nvPr>
-            <p:ph type="dt" sz="half" idx="10"/>
-          </p:nvPr>
-        </p:nvSpPr>
-        <p:spPr/>
-        <p:txBody>
-          <a:bodyPr/>
-          <a:lstStyle/>
-          <a:p>
-            <a:r>
-              <a:rPr lang="en-US" smtClean="0"/>
-              <a:t>12.09.2012</a:t>
-            </a:r>
-            <a:endParaRPr lang="en-US"/>
-          </a:p>
-        </p:txBody>
-      </p:sp>
-      <p:sp>
-        <p:nvSpPr>
-          <p:cNvPr id="3" name="Footer Placeholder 2"/>
-          <p:cNvSpPr>
-            <a:spLocks noGrp="1"/>
-          </p:cNvSpPr>
-          <p:nvPr>
-            <p:ph type="ftr" sz="quarter" idx="11"/>
-          </p:nvPr>
-        </p:nvSpPr>
-        <p:spPr/>
-        <p:txBody>
-          <a:bodyPr/>
-          <a:lstStyle/>
-          <a:p>
-            <a:r>
-              <a:rPr lang="en-US" smtClean="0"/>
-              <a:t>Julian Lettner</a:t>
-            </a:r>
-            <a:endParaRPr lang="en-US"/>
-          </a:p>
-        </p:txBody>
-      </p:sp>
-      <p:sp>
-        <p:nvSpPr>
-          <p:cNvPr id="4" name="Slide Number Placeholder 3"/>
-          <p:cNvSpPr>
-            <a:spLocks noGrp="1"/>
-          </p:cNvSpPr>
-          <p:nvPr>
-            <p:ph type="sldNum" sz="quarter" idx="12"/>
-          </p:nvPr>
-        </p:nvSpPr>
-        <p:spPr/>
-        <p:txBody>
-          <a:bodyPr/>
-          <a:lstStyle/>
-          <a:p>
-            <a:fld id="{B6F15528-21DE-4FAA-801E-634DDDAF4B2B}" type="slidenum">
-              <a:rPr lang="en-US" smtClean="0"/>
-              <a:pPr/>
-              <a:t>18</a:t>
-            </a:fld>
-            <a:r>
-              <a:rPr lang="en-US" smtClean="0"/>
-              <a:t> / 24</a:t>
-            </a:r>
-            <a:endParaRPr lang="en-US" dirty="0" smtClean="0"/>
-          </a:p>
-        </p:txBody>
-      </p:sp>
-    </p:spTree>
-    <p:extLst>
-      <p:ext uri="{BB962C8B-B14F-4D97-AF65-F5344CB8AC3E}">
-        <p14:creationId xmlns:p14="http://schemas.microsoft.com/office/powerpoint/2010/main" val="3192064255"/>
-      </p:ext>
-    </p:extLst>
-  </p:cSld>
-  <p:clrMapOvr>
-    <a:masterClrMapping/>
-  </p:clrMapOvr>
-  <p:timing>
-    <p:tnLst>
-      <p:par>
-        <p:cTn id="1" dur="indefinite" restart="never" nodeType="tmRoot"/>
-      </p:par>
-    </p:tnLst>
-  </p:timing>
-</p:sld>
-</file>
-
-<file path=ppt/slides/slide19.xml><?xml version="1.0" encoding="utf-8"?>
-<p:sld xmlns:a="http://schemas.openxmlformats.org/drawingml/2006/main" xmlns:r="http://schemas.openxmlformats.org/officeDocument/2006/relationships" xmlns:p="http://schemas.openxmlformats.org/presentationml/2006/main">
-  <p:cSld>
-    <p:spTree>
-      <p:nvGrpSpPr>
-        <p:cNvPr id="1" name=""/>
-        <p:cNvGrpSpPr/>
-        <p:nvPr/>
-      </p:nvGrpSpPr>
-      <p:grpSpPr>
-        <a:xfrm>
-          <a:off x="0" y="0"/>
-          <a:ext cx="0" cy="0"/>
-          <a:chOff x="0" y="0"/>
-          <a:chExt cx="0" cy="0"/>
-        </a:xfrm>
-      </p:grpSpPr>
-      <p:sp>
-        <p:nvSpPr>
-          <p:cNvPr id="2" name="Title 1"/>
-          <p:cNvSpPr>
-            <a:spLocks noGrp="1"/>
-          </p:cNvSpPr>
-          <p:nvPr>
-            <p:ph type="title"/>
-          </p:nvPr>
-        </p:nvSpPr>
-        <p:spPr/>
-        <p:txBody>
-          <a:bodyPr/>
-          <a:lstStyle/>
-          <a:p>
-            <a:r>
-              <a:rPr lang="en-US" dirty="0" err="1" smtClean="0"/>
-              <a:t>Vorteile</a:t>
-            </a:r>
-            <a:r>
-              <a:rPr lang="en-US" dirty="0" smtClean="0"/>
-              <a:t> - </a:t>
-            </a:r>
-            <a:r>
-              <a:rPr lang="en-US" dirty="0" err="1" smtClean="0"/>
-              <a:t>Ergebnisse</a:t>
-            </a:r>
-            <a:endParaRPr lang="en-US" dirty="0"/>
-          </a:p>
-        </p:txBody>
-      </p:sp>
-      <p:sp>
-        <p:nvSpPr>
-          <p:cNvPr id="3" name="Content Placeholder 2"/>
-          <p:cNvSpPr>
-            <a:spLocks noGrp="1"/>
-          </p:cNvSpPr>
-          <p:nvPr>
-            <p:ph idx="1"/>
-          </p:nvPr>
-        </p:nvSpPr>
-        <p:spPr>
-          <a:xfrm>
-            <a:off x="457200" y="1600200"/>
-            <a:ext cx="8001000" cy="4525963"/>
-          </a:xfrm>
-        </p:spPr>
-        <p:txBody>
-          <a:bodyPr>
-            <a:normAutofit/>
-          </a:bodyPr>
-          <a:lstStyle/>
-          <a:p>
-            <a:r>
-              <a:rPr lang="en-US" dirty="0" smtClean="0"/>
-              <a:t>Integration </a:t>
-            </a:r>
-            <a:r>
-              <a:rPr lang="en-US" dirty="0" err="1" smtClean="0"/>
-              <a:t>ohne</a:t>
-            </a:r>
-            <a:r>
-              <a:rPr lang="en-US" dirty="0" smtClean="0"/>
-              <a:t> </a:t>
-            </a:r>
-            <a:r>
-              <a:rPr lang="en-US" dirty="0" err="1" smtClean="0"/>
-              <a:t>explizite</a:t>
-            </a:r>
-            <a:r>
-              <a:rPr lang="en-US" dirty="0" smtClean="0"/>
-              <a:t> </a:t>
-            </a:r>
-            <a:r>
-              <a:rPr lang="en-US" dirty="0" err="1" smtClean="0"/>
-              <a:t>Abh</a:t>
-            </a:r>
-            <a:r>
-              <a:rPr lang="de-AT" dirty="0" smtClean="0"/>
-              <a:t>ängigkeiten</a:t>
-            </a:r>
-          </a:p>
-          <a:p>
-            <a:r>
-              <a:rPr lang="en-US" dirty="0" err="1"/>
-              <a:t>Unabhängigkeit</a:t>
-            </a:r>
-            <a:r>
-              <a:rPr lang="en-US" dirty="0"/>
-              <a:t> von </a:t>
-            </a:r>
-            <a:r>
-              <a:rPr lang="en-US" dirty="0" err="1"/>
-              <a:t>Codegenerierungs</a:t>
-            </a:r>
-            <a:r>
-              <a:rPr lang="en-US" dirty="0"/>
-              <a:t>-</a:t>
-            </a:r>
-            <a:br>
-              <a:rPr lang="en-US" dirty="0"/>
-            </a:br>
-            <a:r>
-              <a:rPr lang="en-US" dirty="0" err="1" smtClean="0"/>
-              <a:t>Technologie</a:t>
-            </a:r>
-            <a:endParaRPr lang="en-US" dirty="0" smtClean="0"/>
-          </a:p>
-          <a:p>
-            <a:r>
-              <a:rPr lang="en-US" dirty="0" err="1"/>
-              <a:t>Höhere</a:t>
-            </a:r>
-            <a:r>
-              <a:rPr lang="en-US" dirty="0"/>
-              <a:t> </a:t>
-            </a:r>
-            <a:r>
-              <a:rPr lang="en-US" dirty="0" err="1" smtClean="0"/>
-              <a:t>Abstraktionsebene</a:t>
-            </a:r>
-            <a:endParaRPr lang="en-US" dirty="0" smtClean="0"/>
-          </a:p>
-          <a:p>
-            <a:r>
-              <a:rPr lang="en-US" dirty="0" err="1" smtClean="0"/>
-              <a:t>Infrastruktur-Dienste</a:t>
-            </a:r>
-            <a:endParaRPr lang="en-US" dirty="0" smtClean="0"/>
-          </a:p>
-          <a:p>
-            <a:pPr marL="457200" lvl="1" indent="0">
-              <a:buNone/>
-            </a:pPr>
-            <a:r>
-              <a:rPr lang="de-DE" dirty="0" smtClean="0"/>
-              <a:t>zB: Caching</a:t>
-            </a:r>
-            <a:r>
-              <a:rPr lang="de-DE" dirty="0"/>
-              <a:t>, </a:t>
-            </a:r>
-            <a:r>
-              <a:rPr lang="de-DE" dirty="0" smtClean="0"/>
-              <a:t>Serialisierung,</a:t>
-            </a:r>
-            <a:br>
-              <a:rPr lang="de-DE" dirty="0" smtClean="0"/>
-            </a:br>
-            <a:r>
-              <a:rPr lang="de-DE" dirty="0" smtClean="0"/>
-              <a:t>	 Reihenfolge </a:t>
-            </a:r>
-            <a:r>
-              <a:rPr lang="de-DE" dirty="0"/>
-              <a:t>der </a:t>
-            </a:r>
-            <a:r>
-              <a:rPr lang="de-DE" dirty="0" smtClean="0"/>
-              <a:t>Modifikationen</a:t>
-            </a:r>
-            <a:endParaRPr lang="en-US" dirty="0" smtClean="0"/>
-          </a:p>
-          <a:p>
-            <a:endParaRPr lang="de-AT" dirty="0" smtClean="0"/>
-          </a:p>
-          <a:p>
-            <a:endParaRPr lang="en-US" dirty="0"/>
-          </a:p>
-        </p:txBody>
-      </p:sp>
-      <p:sp>
-        <p:nvSpPr>
-          <p:cNvPr id="4" name="Date Placeholder 3"/>
-          <p:cNvSpPr>
-            <a:spLocks noGrp="1"/>
-          </p:cNvSpPr>
-          <p:nvPr>
-            <p:ph type="dt" sz="half" idx="10"/>
-          </p:nvPr>
-        </p:nvSpPr>
-        <p:spPr/>
-        <p:txBody>
-          <a:bodyPr/>
-          <a:lstStyle/>
-          <a:p>
-            <a:r>
-              <a:rPr lang="en-US" smtClean="0"/>
-              <a:t>12.09.2012</a:t>
-            </a:r>
-            <a:endParaRPr lang="en-US"/>
-          </a:p>
-        </p:txBody>
-      </p:sp>
-      <p:sp>
-        <p:nvSpPr>
-          <p:cNvPr id="5" name="Footer Placeholder 4"/>
-          <p:cNvSpPr>
-            <a:spLocks noGrp="1"/>
-          </p:cNvSpPr>
-          <p:nvPr>
-            <p:ph type="ftr" sz="quarter" idx="11"/>
-          </p:nvPr>
-        </p:nvSpPr>
-        <p:spPr/>
-        <p:txBody>
-          <a:bodyPr/>
-          <a:lstStyle/>
-          <a:p>
-            <a:r>
-              <a:rPr lang="en-US" smtClean="0"/>
-              <a:t>Julian Lettner</a:t>
-            </a:r>
-            <a:endParaRPr lang="en-US"/>
-          </a:p>
-        </p:txBody>
-      </p:sp>
-      <p:sp>
-        <p:nvSpPr>
-          <p:cNvPr id="6" name="Slide Number Placeholder 5"/>
-          <p:cNvSpPr>
-            <a:spLocks noGrp="1"/>
-          </p:cNvSpPr>
-          <p:nvPr>
-            <p:ph type="sldNum" sz="quarter" idx="12"/>
-          </p:nvPr>
-        </p:nvSpPr>
-        <p:spPr/>
-        <p:txBody>
-          <a:bodyPr/>
-          <a:lstStyle/>
-          <a:p>
-            <a:fld id="{B6F15528-21DE-4FAA-801E-634DDDAF4B2B}" type="slidenum">
-              <a:rPr lang="en-US" smtClean="0"/>
-              <a:pPr/>
-              <a:t>19</a:t>
-            </a:fld>
-            <a:r>
-              <a:rPr lang="en-US" smtClean="0"/>
-              <a:t> / 24</a:t>
-            </a:r>
-            <a:endParaRPr lang="en-US" dirty="0" smtClean="0"/>
-          </a:p>
-        </p:txBody>
-      </p:sp>
-    </p:spTree>
-    <p:extLst>
-      <p:ext uri="{BB962C8B-B14F-4D97-AF65-F5344CB8AC3E}">
-        <p14:creationId xmlns:p14="http://schemas.microsoft.com/office/powerpoint/2010/main" val="4175817167"/>
+        <p14:creationId xmlns:p14="http://schemas.microsoft.com/office/powerpoint/2010/main" val="4089611216"/>
       </p:ext>
     </p:extLst>
   </p:cSld>
@@ -4296,7 +3258,7 @@
           <a:lstStyle/>
           <a:p>
             <a:r>
-              <a:rPr lang="de-AT" dirty="0" smtClean="0"/>
+              <a:rPr lang="de-AT" smtClean="0"/>
               <a:t>Übersicht</a:t>
             </a:r>
             <a:endParaRPr lang="en-US" dirty="0"/>
@@ -4323,6 +3285,9 @@
           <a:bodyPr/>
           <a:lstStyle/>
           <a:p>
+            <a:endParaRPr lang="de-AT" sz="600" dirty="0"/>
+          </a:p>
+          <a:p>
             <a:r>
               <a:rPr lang="de-AT" dirty="0" smtClean="0"/>
               <a:t>Codegenerierung</a:t>
@@ -4343,7 +3308,7 @@
           <a:p>
             <a:r>
               <a:rPr lang="de-AT" dirty="0" smtClean="0"/>
-              <a:t>Implementierung</a:t>
+              <a:t>Demo</a:t>
             </a:r>
           </a:p>
           <a:p>
@@ -4351,36 +3316,30 @@
               <a:rPr lang="de-AT" dirty="0" smtClean="0"/>
               <a:t>Ergebnisse</a:t>
             </a:r>
-          </a:p>
-          <a:p>
-            <a:r>
-              <a:rPr lang="de-AT" dirty="0" smtClean="0"/>
-              <a:t>Weiterentwicklung</a:t>
+            <a:endParaRPr lang="de-AT" dirty="0" smtClean="0"/>
+          </a:p>
+        </p:txBody>
+      </p:sp>
+      <p:sp>
+        <p:nvSpPr>
+          <p:cNvPr id="4" name="Date Placeholder 3"/>
+          <p:cNvSpPr>
+            <a:spLocks noGrp="1"/>
+          </p:cNvSpPr>
+          <p:nvPr>
+            <p:ph type="dt" sz="half" idx="10"/>
+          </p:nvPr>
+        </p:nvSpPr>
+        <p:spPr/>
+        <p:txBody>
+          <a:bodyPr/>
+          <a:lstStyle/>
+          <a:p>
+            <a:r>
+              <a:rPr lang="en-US" dirty="0"/>
+              <a:t>11.07.2013</a:t>
             </a:r>
             <a:endParaRPr lang="en-US" dirty="0"/>
-          </a:p>
-        </p:txBody>
-      </p:sp>
-      <p:sp>
-        <p:nvSpPr>
-          <p:cNvPr id="4" name="Date Placeholder 3"/>
-          <p:cNvSpPr>
-            <a:spLocks noGrp="1"/>
-          </p:cNvSpPr>
-          <p:nvPr>
-            <p:ph type="dt" sz="half" idx="10"/>
-          </p:nvPr>
-        </p:nvSpPr>
-        <p:spPr/>
-        <p:txBody>
-          <a:bodyPr/>
-          <a:lstStyle/>
-          <a:p>
-            <a:r>
-              <a:rPr lang="en-US" smtClean="0"/>
-              <a:t>12.09.2012</a:t>
-            </a:r>
-            <a:endParaRPr lang="en-US"/>
           </a:p>
         </p:txBody>
       </p:sp>
@@ -4428,8 +3387,8 @@
               <a:t>2</a:t>
             </a:fld>
             <a:r>
-              <a:rPr lang="en-US" smtClean="0"/>
-              <a:t> / 24</a:t>
+              <a:rPr lang="en-US" dirty="0" smtClean="0"/>
+              <a:t> / 16</a:t>
             </a:r>
             <a:endParaRPr lang="en-US" dirty="0" smtClean="0"/>
           </a:p>
@@ -4439,1484 +3398,6 @@
     <p:extLst>
       <p:ext uri="{BB962C8B-B14F-4D97-AF65-F5344CB8AC3E}">
         <p14:creationId xmlns:p14="http://schemas.microsoft.com/office/powerpoint/2010/main" val="3004913498"/>
-      </p:ext>
-    </p:extLst>
-  </p:cSld>
-  <p:clrMapOvr>
-    <a:masterClrMapping/>
-  </p:clrMapOvr>
-  <p:timing>
-    <p:tnLst>
-      <p:par>
-        <p:cTn id="1" dur="indefinite" restart="never" nodeType="tmRoot"/>
-      </p:par>
-    </p:tnLst>
-  </p:timing>
-</p:sld>
-</file>
-
-<file path=ppt/slides/slide20.xml><?xml version="1.0" encoding="utf-8"?>
-<p:sld xmlns:a="http://schemas.openxmlformats.org/drawingml/2006/main" xmlns:r="http://schemas.openxmlformats.org/officeDocument/2006/relationships" xmlns:p="http://schemas.openxmlformats.org/presentationml/2006/main">
-  <p:cSld>
-    <p:spTree>
-      <p:nvGrpSpPr>
-        <p:cNvPr id="1" name=""/>
-        <p:cNvGrpSpPr/>
-        <p:nvPr/>
-      </p:nvGrpSpPr>
-      <p:grpSpPr>
-        <a:xfrm>
-          <a:off x="0" y="0"/>
-          <a:ext cx="0" cy="0"/>
-          <a:chOff x="0" y="0"/>
-          <a:chExt cx="0" cy="0"/>
-        </a:xfrm>
-      </p:grpSpPr>
-      <p:sp>
-        <p:nvSpPr>
-          <p:cNvPr id="2" name="Title 1"/>
-          <p:cNvSpPr>
-            <a:spLocks noGrp="1"/>
-          </p:cNvSpPr>
-          <p:nvPr>
-            <p:ph type="title"/>
-          </p:nvPr>
-        </p:nvSpPr>
-        <p:spPr/>
-        <p:txBody>
-          <a:bodyPr/>
-          <a:lstStyle/>
-          <a:p>
-            <a:r>
-              <a:rPr lang="en-US" dirty="0" err="1" smtClean="0"/>
-              <a:t>Verwendung</a:t>
-            </a:r>
-            <a:r>
-              <a:rPr lang="en-US" dirty="0" smtClean="0"/>
-              <a:t> - </a:t>
-            </a:r>
-            <a:r>
-              <a:rPr lang="en-US" dirty="0" err="1" smtClean="0"/>
-              <a:t>Ergebnisse</a:t>
-            </a:r>
-            <a:endParaRPr lang="en-US" dirty="0"/>
-          </a:p>
-        </p:txBody>
-      </p:sp>
-      <p:sp>
-        <p:nvSpPr>
-          <p:cNvPr id="3" name="Content Placeholder 2"/>
-          <p:cNvSpPr>
-            <a:spLocks noGrp="1"/>
-          </p:cNvSpPr>
-          <p:nvPr>
-            <p:ph idx="1"/>
-          </p:nvPr>
-        </p:nvSpPr>
-        <p:spPr/>
-        <p:txBody>
-          <a:bodyPr/>
-          <a:lstStyle/>
-          <a:p>
-            <a:pPr marL="0" indent="0" algn="ctr">
-              <a:buNone/>
-            </a:pPr>
-            <a:endParaRPr lang="en-US" sz="1600" dirty="0" smtClean="0"/>
-          </a:p>
-          <a:p>
-            <a:pPr marL="0" indent="0" algn="ctr">
-              <a:buNone/>
-            </a:pPr>
-            <a:r>
-              <a:rPr lang="en-US" sz="4000" dirty="0" smtClean="0"/>
-              <a:t>Active Attributes</a:t>
-            </a:r>
-          </a:p>
-          <a:p>
-            <a:pPr marL="1487488" indent="-341313"/>
-            <a:r>
-              <a:rPr lang="en-US" dirty="0" smtClean="0"/>
-              <a:t>AOP Framework</a:t>
-            </a:r>
-          </a:p>
-          <a:p>
-            <a:pPr marL="1487488" indent="-341313"/>
-            <a:r>
-              <a:rPr lang="de-AT" dirty="0"/>
-              <a:t>Aspekte mit Hilfe von </a:t>
-            </a:r>
-            <a:r>
-              <a:rPr lang="de-AT" dirty="0" smtClean="0"/>
-              <a:t>Attributen</a:t>
-            </a:r>
-          </a:p>
-          <a:p>
-            <a:pPr marL="1487488" indent="-341313"/>
-            <a:r>
-              <a:rPr lang="de-AT" dirty="0" smtClean="0"/>
-              <a:t>Ähnlich zu PostSharp</a:t>
-            </a:r>
-          </a:p>
-          <a:p>
-            <a:pPr marL="1487488" indent="-341313"/>
-            <a:r>
-              <a:rPr lang="en-US" dirty="0" smtClean="0">
-                <a:hlinkClick r:id="rId2"/>
-              </a:rPr>
-              <a:t>ActiveAttributes.codeplex.com</a:t>
-            </a:r>
-            <a:endParaRPr lang="de-AT" dirty="0" smtClean="0"/>
-          </a:p>
-        </p:txBody>
-      </p:sp>
-      <p:sp>
-        <p:nvSpPr>
-          <p:cNvPr id="4" name="Date Placeholder 3"/>
-          <p:cNvSpPr>
-            <a:spLocks noGrp="1"/>
-          </p:cNvSpPr>
-          <p:nvPr>
-            <p:ph type="dt" sz="half" idx="10"/>
-          </p:nvPr>
-        </p:nvSpPr>
-        <p:spPr/>
-        <p:txBody>
-          <a:bodyPr/>
-          <a:lstStyle/>
-          <a:p>
-            <a:r>
-              <a:rPr lang="en-US" smtClean="0"/>
-              <a:t>12.09.2012</a:t>
-            </a:r>
-            <a:endParaRPr lang="en-US"/>
-          </a:p>
-        </p:txBody>
-      </p:sp>
-      <p:sp>
-        <p:nvSpPr>
-          <p:cNvPr id="5" name="Footer Placeholder 4"/>
-          <p:cNvSpPr>
-            <a:spLocks noGrp="1"/>
-          </p:cNvSpPr>
-          <p:nvPr>
-            <p:ph type="ftr" sz="quarter" idx="11"/>
-          </p:nvPr>
-        </p:nvSpPr>
-        <p:spPr/>
-        <p:txBody>
-          <a:bodyPr/>
-          <a:lstStyle/>
-          <a:p>
-            <a:r>
-              <a:rPr lang="en-US" smtClean="0"/>
-              <a:t>Julian Lettner</a:t>
-            </a:r>
-            <a:endParaRPr lang="en-US"/>
-          </a:p>
-        </p:txBody>
-      </p:sp>
-      <p:sp>
-        <p:nvSpPr>
-          <p:cNvPr id="6" name="Slide Number Placeholder 5"/>
-          <p:cNvSpPr>
-            <a:spLocks noGrp="1"/>
-          </p:cNvSpPr>
-          <p:nvPr>
-            <p:ph type="sldNum" sz="quarter" idx="12"/>
-          </p:nvPr>
-        </p:nvSpPr>
-        <p:spPr/>
-        <p:txBody>
-          <a:bodyPr/>
-          <a:lstStyle/>
-          <a:p>
-            <a:fld id="{B6F15528-21DE-4FAA-801E-634DDDAF4B2B}" type="slidenum">
-              <a:rPr lang="en-US" smtClean="0"/>
-              <a:pPr/>
-              <a:t>20</a:t>
-            </a:fld>
-            <a:r>
-              <a:rPr lang="en-US" smtClean="0"/>
-              <a:t> / 24</a:t>
-            </a:r>
-            <a:endParaRPr lang="en-US" dirty="0" smtClean="0"/>
-          </a:p>
-        </p:txBody>
-      </p:sp>
-    </p:spTree>
-    <p:extLst>
-      <p:ext uri="{BB962C8B-B14F-4D97-AF65-F5344CB8AC3E}">
-        <p14:creationId xmlns:p14="http://schemas.microsoft.com/office/powerpoint/2010/main" val="1739998261"/>
-      </p:ext>
-    </p:extLst>
-  </p:cSld>
-  <p:clrMapOvr>
-    <a:masterClrMapping/>
-  </p:clrMapOvr>
-  <p:timing>
-    <p:tnLst>
-      <p:par>
-        <p:cTn id="1" dur="indefinite" restart="never" nodeType="tmRoot"/>
-      </p:par>
-    </p:tnLst>
-  </p:timing>
-</p:sld>
-</file>
-
-<file path=ppt/slides/slide21.xml><?xml version="1.0" encoding="utf-8"?>
-<p:sld xmlns:a="http://schemas.openxmlformats.org/drawingml/2006/main" xmlns:r="http://schemas.openxmlformats.org/officeDocument/2006/relationships" xmlns:p="http://schemas.openxmlformats.org/presentationml/2006/main">
-  <p:cSld>
-    <p:spTree>
-      <p:nvGrpSpPr>
-        <p:cNvPr id="1" name=""/>
-        <p:cNvGrpSpPr/>
-        <p:nvPr/>
-      </p:nvGrpSpPr>
-      <p:grpSpPr>
-        <a:xfrm>
-          <a:off x="0" y="0"/>
-          <a:ext cx="0" cy="0"/>
-          <a:chOff x="0" y="0"/>
-          <a:chExt cx="0" cy="0"/>
-        </a:xfrm>
-      </p:grpSpPr>
-      <p:sp>
-        <p:nvSpPr>
-          <p:cNvPr id="2" name="Title 1"/>
-          <p:cNvSpPr>
-            <a:spLocks noGrp="1"/>
-          </p:cNvSpPr>
-          <p:nvPr>
-            <p:ph type="title"/>
-          </p:nvPr>
-        </p:nvSpPr>
-        <p:spPr/>
-        <p:txBody>
-          <a:bodyPr/>
-          <a:lstStyle/>
-          <a:p>
-            <a:r>
-              <a:rPr lang="de-AT" dirty="0" smtClean="0"/>
-              <a:t>Weiterentwicklung</a:t>
-            </a:r>
-            <a:endParaRPr lang="en-US" dirty="0"/>
-          </a:p>
-        </p:txBody>
-      </p:sp>
-      <p:sp>
-        <p:nvSpPr>
-          <p:cNvPr id="3" name="Content Placeholder 2"/>
-          <p:cNvSpPr>
-            <a:spLocks noGrp="1"/>
-          </p:cNvSpPr>
-          <p:nvPr>
-            <p:ph idx="1"/>
-          </p:nvPr>
-        </p:nvSpPr>
-        <p:spPr/>
-        <p:txBody>
-          <a:bodyPr/>
-          <a:lstStyle/>
-          <a:p>
-            <a:pPr fontAlgn="base"/>
-            <a:endParaRPr lang="de-DE" dirty="0" smtClean="0"/>
-          </a:p>
-          <a:p>
-            <a:pPr fontAlgn="base"/>
-            <a:r>
-              <a:rPr lang="de-DE" dirty="0" smtClean="0"/>
-              <a:t>Zusätzliche Codegenerierung-Backends</a:t>
-            </a:r>
-          </a:p>
-          <a:p>
-            <a:pPr lvl="1" fontAlgn="base"/>
-            <a:r>
-              <a:rPr lang="de-DE" dirty="0" smtClean="0"/>
-              <a:t>Mono </a:t>
-            </a:r>
-            <a:r>
-              <a:rPr lang="de-DE" dirty="0"/>
-              <a:t>Cecil, Roslyn, CodeDOM</a:t>
-            </a:r>
-          </a:p>
-          <a:p>
-            <a:r>
-              <a:rPr lang="de-DE" dirty="0"/>
-              <a:t>Modifizieren von bestehendem Code</a:t>
-            </a:r>
-            <a:endParaRPr lang="en-US" dirty="0"/>
-          </a:p>
-        </p:txBody>
-      </p:sp>
-      <p:sp>
-        <p:nvSpPr>
-          <p:cNvPr id="4" name="Date Placeholder 3"/>
-          <p:cNvSpPr>
-            <a:spLocks noGrp="1"/>
-          </p:cNvSpPr>
-          <p:nvPr>
-            <p:ph type="dt" sz="half" idx="10"/>
-          </p:nvPr>
-        </p:nvSpPr>
-        <p:spPr/>
-        <p:txBody>
-          <a:bodyPr/>
-          <a:lstStyle/>
-          <a:p>
-            <a:r>
-              <a:rPr lang="en-US" smtClean="0"/>
-              <a:t>12.09.2012</a:t>
-            </a:r>
-            <a:endParaRPr lang="en-US"/>
-          </a:p>
-        </p:txBody>
-      </p:sp>
-      <p:sp>
-        <p:nvSpPr>
-          <p:cNvPr id="5" name="Footer Placeholder 4"/>
-          <p:cNvSpPr>
-            <a:spLocks noGrp="1"/>
-          </p:cNvSpPr>
-          <p:nvPr>
-            <p:ph type="ftr" sz="quarter" idx="11"/>
-          </p:nvPr>
-        </p:nvSpPr>
-        <p:spPr/>
-        <p:txBody>
-          <a:bodyPr/>
-          <a:lstStyle/>
-          <a:p>
-            <a:r>
-              <a:rPr lang="en-US" smtClean="0"/>
-              <a:t>Julian Lettner</a:t>
-            </a:r>
-            <a:endParaRPr lang="en-US"/>
-          </a:p>
-        </p:txBody>
-      </p:sp>
-      <p:sp>
-        <p:nvSpPr>
-          <p:cNvPr id="6" name="Slide Number Placeholder 5"/>
-          <p:cNvSpPr>
-            <a:spLocks noGrp="1"/>
-          </p:cNvSpPr>
-          <p:nvPr>
-            <p:ph type="sldNum" sz="quarter" idx="12"/>
-          </p:nvPr>
-        </p:nvSpPr>
-        <p:spPr/>
-        <p:txBody>
-          <a:bodyPr/>
-          <a:lstStyle/>
-          <a:p>
-            <a:fld id="{B6F15528-21DE-4FAA-801E-634DDDAF4B2B}" type="slidenum">
-              <a:rPr lang="en-US" smtClean="0"/>
-              <a:pPr/>
-              <a:t>21</a:t>
-            </a:fld>
-            <a:r>
-              <a:rPr lang="en-US" smtClean="0"/>
-              <a:t> / 24</a:t>
-            </a:r>
-            <a:endParaRPr lang="en-US" dirty="0" smtClean="0"/>
-          </a:p>
-        </p:txBody>
-      </p:sp>
-    </p:spTree>
-    <p:extLst>
-      <p:ext uri="{BB962C8B-B14F-4D97-AF65-F5344CB8AC3E}">
-        <p14:creationId xmlns:p14="http://schemas.microsoft.com/office/powerpoint/2010/main" val="4120299751"/>
-      </p:ext>
-    </p:extLst>
-  </p:cSld>
-  <p:clrMapOvr>
-    <a:masterClrMapping/>
-  </p:clrMapOvr>
-  <p:timing>
-    <p:tnLst>
-      <p:par>
-        <p:cTn id="1" dur="indefinite" restart="never" nodeType="tmRoot"/>
-      </p:par>
-    </p:tnLst>
-  </p:timing>
-</p:sld>
-</file>
-
-<file path=ppt/slides/slide22.xml><?xml version="1.0" encoding="utf-8"?>
-<p:sld xmlns:a="http://schemas.openxmlformats.org/drawingml/2006/main" xmlns:r="http://schemas.openxmlformats.org/officeDocument/2006/relationships" xmlns:p="http://schemas.openxmlformats.org/presentationml/2006/main">
-  <p:cSld>
-    <p:spTree>
-      <p:nvGrpSpPr>
-        <p:cNvPr id="1" name=""/>
-        <p:cNvGrpSpPr/>
-        <p:nvPr/>
-      </p:nvGrpSpPr>
-      <p:grpSpPr>
-        <a:xfrm>
-          <a:off x="0" y="0"/>
-          <a:ext cx="0" cy="0"/>
-          <a:chOff x="0" y="0"/>
-          <a:chExt cx="0" cy="0"/>
-        </a:xfrm>
-      </p:grpSpPr>
-      <p:grpSp>
-        <p:nvGrpSpPr>
-          <p:cNvPr id="4" name="Group 3"/>
-          <p:cNvGrpSpPr/>
-          <p:nvPr/>
-        </p:nvGrpSpPr>
-        <p:grpSpPr>
-          <a:xfrm>
-            <a:off x="963656" y="588347"/>
-            <a:ext cx="7113544" cy="5458455"/>
-            <a:chOff x="444914" y="537618"/>
-            <a:chExt cx="7871502" cy="6059734"/>
-          </a:xfrm>
-        </p:grpSpPr>
-        <p:pic>
-          <p:nvPicPr>
-            <p:cNvPr id="5" name="Picture 3" descr="C:\Development\Masterarbeit\Vorbereitungen\Presentation\hakimel-reveal.js-fa98bac\ast.png"/>
-            <p:cNvPicPr>
-              <a:picLocks noChangeAspect="1" noChangeArrowheads="1"/>
-            </p:cNvPicPr>
-            <p:nvPr/>
-          </p:nvPicPr>
-          <p:blipFill>
-            <a:blip r:embed="rId2" cstate="print">
-              <a:extLst>
-                <a:ext uri="{28A0092B-C50C-407E-A947-70E740481C1C}">
-                  <a14:useLocalDpi xmlns:a14="http://schemas.microsoft.com/office/drawing/2010/main" val="0"/>
-                </a:ext>
-              </a:extLst>
-            </a:blip>
-            <a:srcRect/>
-            <a:stretch>
-              <a:fillRect/>
-            </a:stretch>
-          </p:blipFill>
-          <p:spPr bwMode="auto">
-            <a:xfrm>
-              <a:off x="5543624" y="537618"/>
-              <a:ext cx="2628776" cy="2963390"/>
-            </a:xfrm>
-            <a:prstGeom prst="rect">
-              <a:avLst/>
-            </a:prstGeom>
-            <a:noFill/>
-            <a:extLst>
-              <a:ext uri="{909E8E84-426E-40DD-AFC4-6F175D3DCCD1}">
-                <a14:hiddenFill xmlns:a14="http://schemas.microsoft.com/office/drawing/2010/main">
-                  <a:solidFill>
-                    <a:srgbClr val="FFFFFF"/>
-                  </a:solidFill>
-                </a14:hiddenFill>
-              </a:ext>
-            </a:extLst>
-          </p:spPr>
-        </p:pic>
-        <p:grpSp>
-          <p:nvGrpSpPr>
-            <p:cNvPr id="6" name="Group 5"/>
-            <p:cNvGrpSpPr/>
-            <p:nvPr/>
-          </p:nvGrpSpPr>
-          <p:grpSpPr>
-            <a:xfrm>
-              <a:off x="444914" y="940452"/>
-              <a:ext cx="3744416" cy="4824536"/>
-              <a:chOff x="395536" y="1484784"/>
-              <a:chExt cx="3744416" cy="4824536"/>
-            </a:xfrm>
-          </p:grpSpPr>
-          <p:sp>
-            <p:nvSpPr>
-              <p:cNvPr id="10" name="TextBox 9"/>
-              <p:cNvSpPr txBox="1"/>
-              <p:nvPr/>
-            </p:nvSpPr>
-            <p:spPr>
-              <a:xfrm>
-                <a:off x="395536" y="1484784"/>
-                <a:ext cx="3744416" cy="4824536"/>
-              </a:xfrm>
-              <a:prstGeom prst="roundRect">
-                <a:avLst>
-                  <a:gd name="adj" fmla="val 3328"/>
-                </a:avLst>
-              </a:prstGeom>
-            </p:spPr>
-            <p:style>
-              <a:lnRef idx="1">
-                <a:schemeClr val="dk1"/>
-              </a:lnRef>
-              <a:fillRef idx="2">
-                <a:schemeClr val="dk1"/>
-              </a:fillRef>
-              <a:effectRef idx="1">
-                <a:schemeClr val="dk1"/>
-              </a:effectRef>
-              <a:fontRef idx="minor">
-                <a:schemeClr val="dk1"/>
-              </a:fontRef>
-            </p:style>
-            <p:txBody>
-              <a:bodyPr wrap="square" rtlCol="0" anchor="t" anchorCtr="0">
-                <a:noAutofit/>
-              </a:bodyPr>
-              <a:lstStyle/>
-              <a:p>
-                <a:pPr algn="ctr"/>
-                <a:r>
-                  <a:rPr lang="en-US" sz="2400" b="1" dirty="0" smtClean="0">
-                    <a:solidFill>
-                      <a:srgbClr val="043399"/>
-                    </a:solidFill>
-                    <a:latin typeface="Corbel" pitchFamily="34" charset="0"/>
-                  </a:rPr>
-                  <a:t>Assembly</a:t>
-                </a:r>
-                <a:endParaRPr lang="de-AT" sz="3600" b="1" dirty="0">
-                  <a:solidFill>
-                    <a:srgbClr val="043399"/>
-                  </a:solidFill>
-                  <a:latin typeface="Corbel" pitchFamily="34" charset="0"/>
-                </a:endParaRPr>
-              </a:p>
-            </p:txBody>
-          </p:sp>
-          <p:grpSp>
-            <p:nvGrpSpPr>
-              <p:cNvPr id="11" name="Group 10"/>
-              <p:cNvGrpSpPr/>
-              <p:nvPr/>
-            </p:nvGrpSpPr>
-            <p:grpSpPr>
-              <a:xfrm>
-                <a:off x="575556" y="2088164"/>
-                <a:ext cx="3384376" cy="3977816"/>
-                <a:chOff x="1763688" y="2259496"/>
-                <a:chExt cx="3384376" cy="3977816"/>
-              </a:xfrm>
-            </p:grpSpPr>
-            <p:sp>
-              <p:nvSpPr>
-                <p:cNvPr id="12" name="TextBox 11"/>
-                <p:cNvSpPr txBox="1"/>
-                <p:nvPr/>
-              </p:nvSpPr>
-              <p:spPr>
-                <a:xfrm>
-                  <a:off x="1763688" y="2259496"/>
-                  <a:ext cx="3384376" cy="3977816"/>
-                </a:xfrm>
-                <a:prstGeom prst="roundRect">
-                  <a:avLst>
-                    <a:gd name="adj" fmla="val 3328"/>
-                  </a:avLst>
-                </a:prstGeom>
-                <a:gradFill>
-                  <a:gsLst>
-                    <a:gs pos="0">
-                      <a:schemeClr val="accent3">
-                        <a:lumMod val="77000"/>
-                        <a:lumOff val="23000"/>
-                      </a:schemeClr>
-                    </a:gs>
-                    <a:gs pos="100000">
-                      <a:schemeClr val="accent3">
-                        <a:lumMod val="50000"/>
-                        <a:lumOff val="50000"/>
-                      </a:schemeClr>
-                    </a:gs>
-                  </a:gsLst>
-                </a:gradFill>
-              </p:spPr>
-              <p:style>
-                <a:lnRef idx="1">
-                  <a:schemeClr val="dk1"/>
-                </a:lnRef>
-                <a:fillRef idx="2">
-                  <a:schemeClr val="dk1"/>
-                </a:fillRef>
-                <a:effectRef idx="1">
-                  <a:schemeClr val="dk1"/>
-                </a:effectRef>
-                <a:fontRef idx="minor">
-                  <a:schemeClr val="dk1"/>
-                </a:fontRef>
-              </p:style>
-              <p:txBody>
-                <a:bodyPr wrap="square" rtlCol="0" anchor="t" anchorCtr="0">
-                  <a:noAutofit/>
-                </a:bodyPr>
-                <a:lstStyle/>
-                <a:p>
-                  <a:pPr algn="ctr"/>
-                  <a:r>
-                    <a:rPr lang="en-US" sz="2400" b="1" dirty="0" smtClean="0">
-                      <a:solidFill>
-                        <a:srgbClr val="436157"/>
-                      </a:solidFill>
-                      <a:latin typeface="Corbel" pitchFamily="34" charset="0"/>
-                    </a:rPr>
-                    <a:t>Type</a:t>
-                  </a:r>
-                  <a:endParaRPr lang="de-AT" sz="3600" b="1" dirty="0">
-                    <a:solidFill>
-                      <a:srgbClr val="436157"/>
-                    </a:solidFill>
-                    <a:latin typeface="Corbel" pitchFamily="34" charset="0"/>
-                  </a:endParaRPr>
-                </a:p>
-              </p:txBody>
-            </p:sp>
-            <p:grpSp>
-              <p:nvGrpSpPr>
-                <p:cNvPr id="13" name="Group 12"/>
-                <p:cNvGrpSpPr/>
-                <p:nvPr/>
-              </p:nvGrpSpPr>
-              <p:grpSpPr>
-                <a:xfrm>
-                  <a:off x="1998938" y="2935497"/>
-                  <a:ext cx="2913876" cy="1364940"/>
-                  <a:chOff x="1979712" y="3288196"/>
-                  <a:chExt cx="2913876" cy="1364940"/>
-                </a:xfrm>
-              </p:grpSpPr>
-              <p:sp>
-                <p:nvSpPr>
-                  <p:cNvPr id="17" name="TextBox 16"/>
-                  <p:cNvSpPr txBox="1"/>
-                  <p:nvPr/>
-                </p:nvSpPr>
-                <p:spPr>
-                  <a:xfrm>
-                    <a:off x="1979712" y="3288196"/>
-                    <a:ext cx="2913876" cy="1364940"/>
-                  </a:xfrm>
-                  <a:prstGeom prst="roundRect">
-                    <a:avLst>
-                      <a:gd name="adj" fmla="val 3328"/>
-                    </a:avLst>
-                  </a:prstGeom>
-                  <a:gradFill>
-                    <a:gsLst>
-                      <a:gs pos="0">
-                        <a:schemeClr val="tx2">
-                          <a:lumMod val="40000"/>
-                          <a:lumOff val="60000"/>
-                        </a:schemeClr>
-                      </a:gs>
-                      <a:gs pos="100000">
-                        <a:schemeClr val="tx2">
-                          <a:lumMod val="20000"/>
-                          <a:lumOff val="80000"/>
-                        </a:schemeClr>
-                      </a:gs>
-                    </a:gsLst>
-                  </a:gradFill>
-                </p:spPr>
-                <p:style>
-                  <a:lnRef idx="1">
-                    <a:schemeClr val="dk1"/>
-                  </a:lnRef>
-                  <a:fillRef idx="2">
-                    <a:schemeClr val="dk1"/>
-                  </a:fillRef>
-                  <a:effectRef idx="1">
-                    <a:schemeClr val="dk1"/>
-                  </a:effectRef>
-                  <a:fontRef idx="minor">
-                    <a:schemeClr val="dk1"/>
-                  </a:fontRef>
-                </p:style>
-                <p:txBody>
-                  <a:bodyPr wrap="square" rtlCol="0" anchor="t" anchorCtr="0">
-                    <a:noAutofit/>
-                  </a:bodyPr>
-                  <a:lstStyle/>
-                  <a:p>
-                    <a:pPr algn="ctr"/>
-                    <a:r>
-                      <a:rPr lang="en-US" sz="2400" b="1" dirty="0" smtClean="0">
-                        <a:solidFill>
-                          <a:schemeClr val="tx2">
-                            <a:lumMod val="75000"/>
-                          </a:schemeClr>
-                        </a:solidFill>
-                        <a:latin typeface="Corbel" pitchFamily="34" charset="0"/>
-                      </a:rPr>
-                      <a:t>Method</a:t>
-                    </a:r>
-                    <a:endParaRPr lang="de-AT" sz="3600" b="1" dirty="0">
-                      <a:solidFill>
-                        <a:schemeClr val="tx2">
-                          <a:lumMod val="75000"/>
-                        </a:schemeClr>
-                      </a:solidFill>
-                      <a:latin typeface="Corbel" pitchFamily="34" charset="0"/>
-                    </a:endParaRPr>
-                  </a:p>
-                </p:txBody>
-              </p:sp>
-              <p:pic>
-                <p:nvPicPr>
-                  <p:cNvPr id="18" name="Picture 4" descr="C:\Development\Masterarbeit\Vorbereitungen\Presentation\hakimel-reveal.js-fa98bac\binary.jpg"/>
-                  <p:cNvPicPr>
-                    <a:picLocks noChangeAspect="1" noChangeArrowheads="1"/>
-                  </p:cNvPicPr>
-                  <p:nvPr/>
-                </p:nvPicPr>
-                <p:blipFill>
-                  <a:blip r:embed="rId3">
-                    <a:extLst>
-                      <a:ext uri="{28A0092B-C50C-407E-A947-70E740481C1C}">
-                        <a14:useLocalDpi xmlns:a14="http://schemas.microsoft.com/office/drawing/2010/main" val="0"/>
-                      </a:ext>
-                    </a:extLst>
-                  </a:blip>
-                  <a:srcRect/>
-                  <a:stretch>
-                    <a:fillRect/>
-                  </a:stretch>
-                </p:blipFill>
-                <p:spPr bwMode="auto">
-                  <a:xfrm>
-                    <a:off x="2073514" y="3737331"/>
-                    <a:ext cx="2726271" cy="764772"/>
-                  </a:xfrm>
-                  <a:prstGeom prst="rect">
-                    <a:avLst/>
-                  </a:prstGeom>
-                  <a:noFill/>
-                  <a:extLst>
-                    <a:ext uri="{909E8E84-426E-40DD-AFC4-6F175D3DCCD1}">
-                      <a14:hiddenFill xmlns:a14="http://schemas.microsoft.com/office/drawing/2010/main">
-                        <a:solidFill>
-                          <a:srgbClr val="FFFFFF"/>
-                        </a:solidFill>
-                      </a14:hiddenFill>
-                    </a:ext>
-                  </a:extLst>
-                </p:spPr>
-              </p:pic>
-            </p:grpSp>
-            <p:grpSp>
-              <p:nvGrpSpPr>
-                <p:cNvPr id="14" name="Group 13"/>
-                <p:cNvGrpSpPr/>
-                <p:nvPr/>
-              </p:nvGrpSpPr>
-              <p:grpSpPr>
-                <a:xfrm>
-                  <a:off x="2023627" y="4581128"/>
-                  <a:ext cx="2913876" cy="1364940"/>
-                  <a:chOff x="1979712" y="3288196"/>
-                  <a:chExt cx="2913876" cy="1364940"/>
-                </a:xfrm>
-              </p:grpSpPr>
-              <p:sp>
-                <p:nvSpPr>
-                  <p:cNvPr id="15" name="TextBox 14"/>
-                  <p:cNvSpPr txBox="1"/>
-                  <p:nvPr/>
-                </p:nvSpPr>
-                <p:spPr>
-                  <a:xfrm>
-                    <a:off x="1979712" y="3288196"/>
-                    <a:ext cx="2913876" cy="1364940"/>
-                  </a:xfrm>
-                  <a:prstGeom prst="roundRect">
-                    <a:avLst>
-                      <a:gd name="adj" fmla="val 3328"/>
-                    </a:avLst>
-                  </a:prstGeom>
-                  <a:gradFill>
-                    <a:gsLst>
-                      <a:gs pos="0">
-                        <a:schemeClr val="tx2">
-                          <a:lumMod val="40000"/>
-                          <a:lumOff val="60000"/>
-                        </a:schemeClr>
-                      </a:gs>
-                      <a:gs pos="100000">
-                        <a:schemeClr val="tx2">
-                          <a:lumMod val="20000"/>
-                          <a:lumOff val="80000"/>
-                        </a:schemeClr>
-                      </a:gs>
-                    </a:gsLst>
-                  </a:gradFill>
-                </p:spPr>
-                <p:style>
-                  <a:lnRef idx="1">
-                    <a:schemeClr val="dk1"/>
-                  </a:lnRef>
-                  <a:fillRef idx="2">
-                    <a:schemeClr val="dk1"/>
-                  </a:fillRef>
-                  <a:effectRef idx="1">
-                    <a:schemeClr val="dk1"/>
-                  </a:effectRef>
-                  <a:fontRef idx="minor">
-                    <a:schemeClr val="dk1"/>
-                  </a:fontRef>
-                </p:style>
-                <p:txBody>
-                  <a:bodyPr wrap="square" rtlCol="0" anchor="t" anchorCtr="0">
-                    <a:noAutofit/>
-                  </a:bodyPr>
-                  <a:lstStyle/>
-                  <a:p>
-                    <a:pPr algn="ctr"/>
-                    <a:r>
-                      <a:rPr lang="en-US" sz="2400" b="1" dirty="0" smtClean="0">
-                        <a:solidFill>
-                          <a:schemeClr val="tx2">
-                            <a:lumMod val="75000"/>
-                          </a:schemeClr>
-                        </a:solidFill>
-                        <a:latin typeface="Corbel" pitchFamily="34" charset="0"/>
-                      </a:rPr>
-                      <a:t>Method</a:t>
-                    </a:r>
-                    <a:endParaRPr lang="de-AT" sz="3600" b="1" dirty="0">
-                      <a:solidFill>
-                        <a:schemeClr val="tx2">
-                          <a:lumMod val="75000"/>
-                        </a:schemeClr>
-                      </a:solidFill>
-                      <a:latin typeface="Corbel" pitchFamily="34" charset="0"/>
-                    </a:endParaRPr>
-                  </a:p>
-                </p:txBody>
-              </p:sp>
-              <p:pic>
-                <p:nvPicPr>
-                  <p:cNvPr id="16" name="Picture 4" descr="C:\Development\Masterarbeit\Vorbereitungen\Presentation\hakimel-reveal.js-fa98bac\binary.jpg"/>
-                  <p:cNvPicPr>
-                    <a:picLocks noChangeAspect="1" noChangeArrowheads="1"/>
-                  </p:cNvPicPr>
-                  <p:nvPr/>
-                </p:nvPicPr>
-                <p:blipFill>
-                  <a:blip r:embed="rId3">
-                    <a:extLst>
-                      <a:ext uri="{28A0092B-C50C-407E-A947-70E740481C1C}">
-                        <a14:useLocalDpi xmlns:a14="http://schemas.microsoft.com/office/drawing/2010/main" val="0"/>
-                      </a:ext>
-                    </a:extLst>
-                  </a:blip>
-                  <a:srcRect/>
-                  <a:stretch>
-                    <a:fillRect/>
-                  </a:stretch>
-                </p:blipFill>
-                <p:spPr bwMode="auto">
-                  <a:xfrm>
-                    <a:off x="2073514" y="3737331"/>
-                    <a:ext cx="2726271" cy="764772"/>
-                  </a:xfrm>
-                  <a:prstGeom prst="rect">
-                    <a:avLst/>
-                  </a:prstGeom>
-                  <a:noFill/>
-                  <a:extLst>
-                    <a:ext uri="{909E8E84-426E-40DD-AFC4-6F175D3DCCD1}">
-                      <a14:hiddenFill xmlns:a14="http://schemas.microsoft.com/office/drawing/2010/main">
-                        <a:solidFill>
-                          <a:srgbClr val="FFFFFF"/>
-                        </a:solidFill>
-                      </a14:hiddenFill>
-                    </a:ext>
-                  </a:extLst>
-                </p:spPr>
-              </p:pic>
-            </p:grpSp>
-          </p:grpSp>
-        </p:grpSp>
-        <p:pic>
-          <p:nvPicPr>
-            <p:cNvPr id="7" name="Picture 3" descr="C:\Development\Masterarbeit\Vorbereitungen\Presentation\hakimel-reveal.js-fa98bac\ast.png"/>
-            <p:cNvPicPr>
-              <a:picLocks noChangeAspect="1" noChangeArrowheads="1"/>
-            </p:cNvPicPr>
-            <p:nvPr/>
-          </p:nvPicPr>
-          <p:blipFill>
-            <a:blip r:embed="rId2" cstate="print">
-              <a:extLst>
-                <a:ext uri="{28A0092B-C50C-407E-A947-70E740481C1C}">
-                  <a14:useLocalDpi xmlns:a14="http://schemas.microsoft.com/office/drawing/2010/main" val="0"/>
-                </a:ext>
-              </a:extLst>
-            </a:blip>
-            <a:srcRect/>
-            <a:stretch>
-              <a:fillRect/>
-            </a:stretch>
-          </p:blipFill>
-          <p:spPr bwMode="auto">
-            <a:xfrm>
-              <a:off x="5687640" y="3633962"/>
-              <a:ext cx="2628776" cy="2963390"/>
-            </a:xfrm>
-            <a:prstGeom prst="rect">
-              <a:avLst/>
-            </a:prstGeom>
-            <a:noFill/>
-            <a:extLst>
-              <a:ext uri="{909E8E84-426E-40DD-AFC4-6F175D3DCCD1}">
-                <a14:hiddenFill xmlns:a14="http://schemas.microsoft.com/office/drawing/2010/main">
-                  <a:solidFill>
-                    <a:srgbClr val="FFFFFF"/>
-                  </a:solidFill>
-                </a14:hiddenFill>
-              </a:ext>
-            </a:extLst>
-          </p:spPr>
-        </p:pic>
-        <p:sp>
-          <p:nvSpPr>
-            <p:cNvPr id="8" name="Down Arrow 7"/>
-            <p:cNvSpPr/>
-            <p:nvPr/>
-          </p:nvSpPr>
-          <p:spPr>
-            <a:xfrm rot="15300000">
-              <a:off x="4407475" y="1638760"/>
-              <a:ext cx="504056" cy="1771106"/>
-            </a:xfrm>
-            <a:prstGeom prst="downArrow">
-              <a:avLst/>
-            </a:prstGeom>
-            <a:ln>
-              <a:prstDash val="dash"/>
-            </a:ln>
-          </p:spPr>
-          <p:style>
-            <a:lnRef idx="1">
-              <a:schemeClr val="accent1"/>
-            </a:lnRef>
-            <a:fillRef idx="2">
-              <a:schemeClr val="accent1"/>
-            </a:fillRef>
-            <a:effectRef idx="1">
-              <a:schemeClr val="accent1"/>
-            </a:effectRef>
-            <a:fontRef idx="minor">
-              <a:schemeClr val="dk1"/>
-            </a:fontRef>
-          </p:style>
-          <p:txBody>
-            <a:bodyPr rtlCol="0" anchor="ctr"/>
-            <a:lstStyle/>
-            <a:p>
-              <a:pPr algn="ctr"/>
-              <a:endParaRPr lang="de-AT"/>
-            </a:p>
-          </p:txBody>
-        </p:sp>
-        <p:sp>
-          <p:nvSpPr>
-            <p:cNvPr id="9" name="Down Arrow 8"/>
-            <p:cNvSpPr/>
-            <p:nvPr/>
-          </p:nvSpPr>
-          <p:spPr>
-            <a:xfrm rot="17100000">
-              <a:off x="4448493" y="3871008"/>
-              <a:ext cx="504056" cy="1771106"/>
-            </a:xfrm>
-            <a:prstGeom prst="downArrow">
-              <a:avLst/>
-            </a:prstGeom>
-            <a:ln>
-              <a:prstDash val="dash"/>
-            </a:ln>
-          </p:spPr>
-          <p:style>
-            <a:lnRef idx="1">
-              <a:schemeClr val="accent1"/>
-            </a:lnRef>
-            <a:fillRef idx="2">
-              <a:schemeClr val="accent1"/>
-            </a:fillRef>
-            <a:effectRef idx="1">
-              <a:schemeClr val="accent1"/>
-            </a:effectRef>
-            <a:fontRef idx="minor">
-              <a:schemeClr val="dk1"/>
-            </a:fontRef>
-          </p:style>
-          <p:txBody>
-            <a:bodyPr rtlCol="0" anchor="ctr"/>
-            <a:lstStyle/>
-            <a:p>
-              <a:pPr algn="ctr"/>
-              <a:endParaRPr lang="de-AT"/>
-            </a:p>
-          </p:txBody>
-        </p:sp>
-      </p:grpSp>
-      <p:sp>
-        <p:nvSpPr>
-          <p:cNvPr id="2" name="Date Placeholder 1"/>
-          <p:cNvSpPr>
-            <a:spLocks noGrp="1"/>
-          </p:cNvSpPr>
-          <p:nvPr>
-            <p:ph type="dt" sz="half" idx="10"/>
-          </p:nvPr>
-        </p:nvSpPr>
-        <p:spPr/>
-        <p:txBody>
-          <a:bodyPr/>
-          <a:lstStyle/>
-          <a:p>
-            <a:r>
-              <a:rPr lang="en-US" smtClean="0"/>
-              <a:t>12.09.2012</a:t>
-            </a:r>
-            <a:endParaRPr lang="en-US"/>
-          </a:p>
-        </p:txBody>
-      </p:sp>
-      <p:sp>
-        <p:nvSpPr>
-          <p:cNvPr id="3" name="Footer Placeholder 2"/>
-          <p:cNvSpPr>
-            <a:spLocks noGrp="1"/>
-          </p:cNvSpPr>
-          <p:nvPr>
-            <p:ph type="ftr" sz="quarter" idx="11"/>
-          </p:nvPr>
-        </p:nvSpPr>
-        <p:spPr/>
-        <p:txBody>
-          <a:bodyPr/>
-          <a:lstStyle/>
-          <a:p>
-            <a:r>
-              <a:rPr lang="en-US" smtClean="0"/>
-              <a:t>Julian Lettner</a:t>
-            </a:r>
-            <a:endParaRPr lang="en-US"/>
-          </a:p>
-        </p:txBody>
-      </p:sp>
-      <p:sp>
-        <p:nvSpPr>
-          <p:cNvPr id="19" name="Slide Number Placeholder 18"/>
-          <p:cNvSpPr>
-            <a:spLocks noGrp="1"/>
-          </p:cNvSpPr>
-          <p:nvPr>
-            <p:ph type="sldNum" sz="quarter" idx="12"/>
-          </p:nvPr>
-        </p:nvSpPr>
-        <p:spPr/>
-        <p:txBody>
-          <a:bodyPr/>
-          <a:lstStyle/>
-          <a:p>
-            <a:fld id="{B6F15528-21DE-4FAA-801E-634DDDAF4B2B}" type="slidenum">
-              <a:rPr lang="en-US" smtClean="0"/>
-              <a:pPr/>
-              <a:t>22</a:t>
-            </a:fld>
-            <a:r>
-              <a:rPr lang="en-US" smtClean="0"/>
-              <a:t> / 24</a:t>
-            </a:r>
-            <a:endParaRPr lang="en-US" dirty="0" smtClean="0"/>
-          </a:p>
-        </p:txBody>
-      </p:sp>
-    </p:spTree>
-    <p:extLst>
-      <p:ext uri="{BB962C8B-B14F-4D97-AF65-F5344CB8AC3E}">
-        <p14:creationId xmlns:p14="http://schemas.microsoft.com/office/powerpoint/2010/main" val="2816239365"/>
-      </p:ext>
-    </p:extLst>
-  </p:cSld>
-  <p:clrMapOvr>
-    <a:masterClrMapping/>
-  </p:clrMapOvr>
-  <p:timing>
-    <p:tnLst>
-      <p:par>
-        <p:cTn id="1" dur="indefinite" restart="never" nodeType="tmRoot"/>
-      </p:par>
-    </p:tnLst>
-  </p:timing>
-</p:sld>
-</file>
-
-<file path=ppt/slides/slide23.xml><?xml version="1.0" encoding="utf-8"?>
-<p:sld xmlns:a="http://schemas.openxmlformats.org/drawingml/2006/main" xmlns:r="http://schemas.openxmlformats.org/officeDocument/2006/relationships" xmlns:p="http://schemas.openxmlformats.org/presentationml/2006/main">
-  <p:cSld>
-    <p:spTree>
-      <p:nvGrpSpPr>
-        <p:cNvPr id="1" name=""/>
-        <p:cNvGrpSpPr/>
-        <p:nvPr/>
-      </p:nvGrpSpPr>
-      <p:grpSpPr>
-        <a:xfrm>
-          <a:off x="0" y="0"/>
-          <a:ext cx="0" cy="0"/>
-          <a:chOff x="0" y="0"/>
-          <a:chExt cx="0" cy="0"/>
-        </a:xfrm>
-      </p:grpSpPr>
-      <p:sp>
-        <p:nvSpPr>
-          <p:cNvPr id="2" name="Title 1"/>
-          <p:cNvSpPr>
-            <a:spLocks noGrp="1"/>
-          </p:cNvSpPr>
-          <p:nvPr>
-            <p:ph type="title"/>
-          </p:nvPr>
-        </p:nvSpPr>
-        <p:spPr/>
-        <p:txBody>
-          <a:bodyPr/>
-          <a:lstStyle/>
-          <a:p>
-            <a:r>
-              <a:rPr lang="de-AT" dirty="0" smtClean="0"/>
-              <a:t>Weiterentwicklung</a:t>
-            </a:r>
-            <a:endParaRPr lang="en-US" dirty="0"/>
-          </a:p>
-        </p:txBody>
-      </p:sp>
-      <p:sp>
-        <p:nvSpPr>
-          <p:cNvPr id="3" name="Content Placeholder 2"/>
-          <p:cNvSpPr>
-            <a:spLocks noGrp="1"/>
-          </p:cNvSpPr>
-          <p:nvPr>
-            <p:ph idx="1"/>
-          </p:nvPr>
-        </p:nvSpPr>
-        <p:spPr/>
-        <p:txBody>
-          <a:bodyPr/>
-          <a:lstStyle/>
-          <a:p>
-            <a:pPr marL="0" indent="0" fontAlgn="base">
-              <a:buNone/>
-            </a:pPr>
-            <a:endParaRPr lang="de-DE" dirty="0"/>
-          </a:p>
-          <a:p>
-            <a:pPr fontAlgn="base"/>
-            <a:r>
-              <a:rPr lang="de-DE" dirty="0" smtClean="0"/>
-              <a:t>Zusätzliche Codegenerierung-Backends</a:t>
-            </a:r>
-          </a:p>
-          <a:p>
-            <a:pPr lvl="1" fontAlgn="base"/>
-            <a:r>
-              <a:rPr lang="de-DE" dirty="0" smtClean="0"/>
-              <a:t>Mono </a:t>
-            </a:r>
-            <a:r>
-              <a:rPr lang="de-DE" dirty="0"/>
-              <a:t>Cecil, Roslyn, CodeDOM</a:t>
-            </a:r>
-          </a:p>
-          <a:p>
-            <a:r>
-              <a:rPr lang="de-DE" dirty="0"/>
-              <a:t>Modifizieren von bestehendem </a:t>
-            </a:r>
-            <a:r>
-              <a:rPr lang="de-DE" dirty="0" smtClean="0"/>
-              <a:t>Code</a:t>
-            </a:r>
-          </a:p>
-          <a:p>
-            <a:r>
-              <a:rPr lang="en-US" dirty="0" err="1" smtClean="0"/>
-              <a:t>Portierung</a:t>
-            </a:r>
-            <a:r>
-              <a:rPr lang="en-US" dirty="0" smtClean="0"/>
-              <a:t> von </a:t>
-            </a:r>
-            <a:r>
-              <a:rPr lang="en-US" dirty="0" err="1" smtClean="0"/>
-              <a:t>Castle.DynamicProxy</a:t>
-            </a:r>
-            <a:endParaRPr lang="en-US" dirty="0" smtClean="0"/>
-          </a:p>
-        </p:txBody>
-      </p:sp>
-      <p:sp>
-        <p:nvSpPr>
-          <p:cNvPr id="4" name="Date Placeholder 3"/>
-          <p:cNvSpPr>
-            <a:spLocks noGrp="1"/>
-          </p:cNvSpPr>
-          <p:nvPr>
-            <p:ph type="dt" sz="half" idx="10"/>
-          </p:nvPr>
-        </p:nvSpPr>
-        <p:spPr/>
-        <p:txBody>
-          <a:bodyPr/>
-          <a:lstStyle/>
-          <a:p>
-            <a:r>
-              <a:rPr lang="en-US" smtClean="0"/>
-              <a:t>12.09.2012</a:t>
-            </a:r>
-            <a:endParaRPr lang="en-US"/>
-          </a:p>
-        </p:txBody>
-      </p:sp>
-      <p:sp>
-        <p:nvSpPr>
-          <p:cNvPr id="5" name="Footer Placeholder 4"/>
-          <p:cNvSpPr>
-            <a:spLocks noGrp="1"/>
-          </p:cNvSpPr>
-          <p:nvPr>
-            <p:ph type="ftr" sz="quarter" idx="11"/>
-          </p:nvPr>
-        </p:nvSpPr>
-        <p:spPr/>
-        <p:txBody>
-          <a:bodyPr/>
-          <a:lstStyle/>
-          <a:p>
-            <a:r>
-              <a:rPr lang="en-US" smtClean="0"/>
-              <a:t>Julian Lettner</a:t>
-            </a:r>
-            <a:endParaRPr lang="en-US"/>
-          </a:p>
-        </p:txBody>
-      </p:sp>
-      <p:sp>
-        <p:nvSpPr>
-          <p:cNvPr id="6" name="Slide Number Placeholder 5"/>
-          <p:cNvSpPr>
-            <a:spLocks noGrp="1"/>
-          </p:cNvSpPr>
-          <p:nvPr>
-            <p:ph type="sldNum" sz="quarter" idx="12"/>
-          </p:nvPr>
-        </p:nvSpPr>
-        <p:spPr/>
-        <p:txBody>
-          <a:bodyPr/>
-          <a:lstStyle/>
-          <a:p>
-            <a:fld id="{B6F15528-21DE-4FAA-801E-634DDDAF4B2B}" type="slidenum">
-              <a:rPr lang="en-US" smtClean="0"/>
-              <a:pPr/>
-              <a:t>23</a:t>
-            </a:fld>
-            <a:r>
-              <a:rPr lang="en-US" smtClean="0"/>
-              <a:t> / 24</a:t>
-            </a:r>
-            <a:endParaRPr lang="en-US" dirty="0" smtClean="0"/>
-          </a:p>
-        </p:txBody>
-      </p:sp>
-    </p:spTree>
-    <p:extLst>
-      <p:ext uri="{BB962C8B-B14F-4D97-AF65-F5344CB8AC3E}">
-        <p14:creationId xmlns:p14="http://schemas.microsoft.com/office/powerpoint/2010/main" val="2255130211"/>
-      </p:ext>
-    </p:extLst>
-  </p:cSld>
-  <p:clrMapOvr>
-    <a:masterClrMapping/>
-  </p:clrMapOvr>
-  <p:timing>
-    <p:tnLst>
-      <p:par>
-        <p:cTn id="1" dur="indefinite" restart="never" nodeType="tmRoot"/>
-      </p:par>
-    </p:tnLst>
-  </p:timing>
-</p:sld>
-</file>
-
-<file path=ppt/slides/slide24.xml><?xml version="1.0" encoding="utf-8"?>
-<p:sld xmlns:a="http://schemas.openxmlformats.org/drawingml/2006/main" xmlns:r="http://schemas.openxmlformats.org/officeDocument/2006/relationships" xmlns:p="http://schemas.openxmlformats.org/presentationml/2006/main">
-  <p:cSld>
-    <p:spTree>
-      <p:nvGrpSpPr>
-        <p:cNvPr id="1" name=""/>
-        <p:cNvGrpSpPr/>
-        <p:nvPr/>
-      </p:nvGrpSpPr>
-      <p:grpSpPr>
-        <a:xfrm>
-          <a:off x="0" y="0"/>
-          <a:ext cx="0" cy="0"/>
-          <a:chOff x="0" y="0"/>
-          <a:chExt cx="0" cy="0"/>
-        </a:xfrm>
-      </p:grpSpPr>
-      <p:sp>
-        <p:nvSpPr>
-          <p:cNvPr id="3" name="Content Placeholder 2"/>
-          <p:cNvSpPr>
-            <a:spLocks noGrp="1"/>
-          </p:cNvSpPr>
-          <p:nvPr>
-            <p:ph idx="1"/>
-          </p:nvPr>
-        </p:nvSpPr>
-        <p:spPr>
-          <a:xfrm>
-            <a:off x="457200" y="685800"/>
-            <a:ext cx="8229600" cy="5440363"/>
-          </a:xfrm>
-        </p:spPr>
-        <p:txBody>
-          <a:bodyPr/>
-          <a:lstStyle/>
-          <a:p>
-            <a:pPr marL="0" indent="0" algn="ctr">
-              <a:buNone/>
-            </a:pPr>
-            <a:endParaRPr lang="de-AT" sz="500" dirty="0" smtClean="0">
-              <a:latin typeface="+mj-lt"/>
-              <a:cs typeface="Consolas" pitchFamily="49" charset="0"/>
-            </a:endParaRPr>
-          </a:p>
-          <a:p>
-            <a:pPr marL="0" indent="0" algn="ctr">
-              <a:buNone/>
-            </a:pPr>
-            <a:endParaRPr lang="de-AT" sz="4400" dirty="0" smtClean="0">
-              <a:latin typeface="+mj-lt"/>
-              <a:cs typeface="Consolas" pitchFamily="49" charset="0"/>
-            </a:endParaRPr>
-          </a:p>
-          <a:p>
-            <a:pPr marL="0" indent="0" algn="ctr">
-              <a:buNone/>
-            </a:pPr>
-            <a:endParaRPr lang="en-US" sz="5400" dirty="0" smtClean="0">
-              <a:latin typeface="+mj-lt"/>
-              <a:cs typeface="Consolas" pitchFamily="49" charset="0"/>
-            </a:endParaRPr>
-          </a:p>
-          <a:p>
-            <a:pPr marL="0" indent="0" algn="ctr">
-              <a:buNone/>
-            </a:pPr>
-            <a:r>
-              <a:rPr lang="en-US" sz="4800" dirty="0" smtClean="0">
-                <a:latin typeface="+mj-lt"/>
-                <a:cs typeface="Consolas" pitchFamily="49" charset="0"/>
-                <a:hlinkClick r:id="rId2"/>
-              </a:rPr>
-              <a:t>TypePipe.codeplex.com</a:t>
-            </a:r>
-            <a:r>
-              <a:rPr lang="en-US" dirty="0"/>
-              <a:t/>
-            </a:r>
-            <a:br>
-              <a:rPr lang="en-US" dirty="0"/>
-            </a:br>
-            <a:endParaRPr lang="en-US" dirty="0"/>
-          </a:p>
-        </p:txBody>
-      </p:sp>
-      <p:sp>
-        <p:nvSpPr>
-          <p:cNvPr id="2" name="Date Placeholder 1"/>
-          <p:cNvSpPr>
-            <a:spLocks noGrp="1"/>
-          </p:cNvSpPr>
-          <p:nvPr>
-            <p:ph type="dt" sz="half" idx="10"/>
-          </p:nvPr>
-        </p:nvSpPr>
-        <p:spPr/>
-        <p:txBody>
-          <a:bodyPr/>
-          <a:lstStyle/>
-          <a:p>
-            <a:r>
-              <a:rPr lang="en-US" smtClean="0"/>
-              <a:t>12.09.2012</a:t>
-            </a:r>
-            <a:endParaRPr lang="en-US"/>
-          </a:p>
-        </p:txBody>
-      </p:sp>
-      <p:sp>
-        <p:nvSpPr>
-          <p:cNvPr id="4" name="Footer Placeholder 3"/>
-          <p:cNvSpPr>
-            <a:spLocks noGrp="1"/>
-          </p:cNvSpPr>
-          <p:nvPr>
-            <p:ph type="ftr" sz="quarter" idx="11"/>
-          </p:nvPr>
-        </p:nvSpPr>
-        <p:spPr/>
-        <p:txBody>
-          <a:bodyPr/>
-          <a:lstStyle/>
-          <a:p>
-            <a:r>
-              <a:rPr lang="en-US" smtClean="0"/>
-              <a:t>Julian Lettner</a:t>
-            </a:r>
-            <a:endParaRPr lang="en-US"/>
-          </a:p>
-        </p:txBody>
-      </p:sp>
-      <p:sp>
-        <p:nvSpPr>
-          <p:cNvPr id="5" name="Slide Number Placeholder 4"/>
-          <p:cNvSpPr>
-            <a:spLocks noGrp="1"/>
-          </p:cNvSpPr>
-          <p:nvPr>
-            <p:ph type="sldNum" sz="quarter" idx="12"/>
-          </p:nvPr>
-        </p:nvSpPr>
-        <p:spPr/>
-        <p:txBody>
-          <a:bodyPr/>
-          <a:lstStyle/>
-          <a:p>
-            <a:fld id="{B6F15528-21DE-4FAA-801E-634DDDAF4B2B}" type="slidenum">
-              <a:rPr lang="en-US" smtClean="0"/>
-              <a:pPr/>
-              <a:t>24</a:t>
-            </a:fld>
-            <a:r>
-              <a:rPr lang="en-US" smtClean="0"/>
-              <a:t> / 24</a:t>
-            </a:r>
-            <a:endParaRPr lang="en-US" dirty="0" smtClean="0"/>
-          </a:p>
-        </p:txBody>
-      </p:sp>
-    </p:spTree>
-    <p:extLst>
-      <p:ext uri="{BB962C8B-B14F-4D97-AF65-F5344CB8AC3E}">
-        <p14:creationId xmlns:p14="http://schemas.microsoft.com/office/powerpoint/2010/main" val="4089611216"/>
       </p:ext>
     </p:extLst>
   </p:cSld>
@@ -5968,7 +3449,7 @@
           <a:lstStyle/>
           <a:p>
             <a:r>
-              <a:rPr lang="de-AT" dirty="0" smtClean="0"/>
+              <a:rPr lang="de-AT" smtClean="0"/>
               <a:t>Codegenerierung</a:t>
             </a:r>
             <a:endParaRPr lang="en-US" dirty="0"/>
@@ -5996,7 +3477,7 @@
               <a:buNone/>
             </a:pPr>
             <a:r>
-              <a:rPr lang="de-AT" dirty="0" smtClean="0"/>
+              <a:rPr lang="de-AT" smtClean="0"/>
               <a:t>... durch den Compiler</a:t>
             </a:r>
           </a:p>
@@ -6005,46 +3486,46 @@
               <a:buNone/>
             </a:pPr>
             <a:r>
-              <a:rPr lang="de-AT" dirty="0" smtClean="0"/>
+              <a:rPr lang="de-AT" smtClean="0"/>
               <a:t>... mit einem Framework</a:t>
             </a:r>
           </a:p>
           <a:p>
             <a:r>
-              <a:rPr lang="de-AT" dirty="0" smtClean="0"/>
+              <a:rPr lang="de-AT" smtClean="0"/>
               <a:t>Entwicklungsmodell</a:t>
             </a:r>
           </a:p>
           <a:p>
             <a:pPr lvl="1"/>
             <a:r>
-              <a:rPr lang="de-AT" dirty="0" smtClean="0"/>
+              <a:rPr lang="de-AT" smtClean="0"/>
               <a:t>Template vs. API</a:t>
             </a:r>
           </a:p>
           <a:p>
             <a:r>
-              <a:rPr lang="de-AT" dirty="0" smtClean="0"/>
+              <a:rPr lang="de-AT" smtClean="0"/>
               <a:t>Code</a:t>
             </a:r>
           </a:p>
           <a:p>
             <a:pPr lvl="1"/>
             <a:r>
-              <a:rPr lang="de-AT" dirty="0" smtClean="0"/>
+              <a:rPr lang="de-AT" smtClean="0"/>
               <a:t>Quelltext vs. ausführbarer Code</a:t>
             </a:r>
           </a:p>
           <a:p>
             <a:r>
-              <a:rPr lang="de-AT" dirty="0" smtClean="0"/>
+              <a:rPr lang="de-AT" smtClean="0"/>
               <a:t>Zeitpunkt</a:t>
             </a:r>
           </a:p>
           <a:p>
             <a:pPr lvl="1"/>
             <a:r>
-              <a:rPr lang="de-AT" dirty="0" smtClean="0"/>
+              <a:rPr lang="de-AT" smtClean="0"/>
               <a:t>Übersetzungszeit vs. Laufzeit</a:t>
             </a:r>
             <a:endParaRPr lang="en-US" dirty="0"/>
@@ -6067,10 +3548,10 @@
           <a:lstStyle/>
           <a:p>
             <a:r>
-              <a:rPr lang="en-US" smtClean="0"/>
-              <a:t>12.09.2012</a:t>
-            </a:r>
-            <a:endParaRPr lang="en-US"/>
+              <a:rPr lang="en-US" dirty="0" smtClean="0"/>
+              <a:t>11.07.2013</a:t>
+            </a:r>
+            <a:endParaRPr lang="en-US" dirty="0"/>
           </a:p>
         </p:txBody>
       </p:sp>
@@ -6118,8 +3599,8 @@
               <a:t>3</a:t>
             </a:fld>
             <a:r>
-              <a:rPr lang="en-US" smtClean="0"/>
-              <a:t> / 24</a:t>
+              <a:rPr lang="en-US" dirty="0" smtClean="0"/>
+              <a:t> / 16</a:t>
             </a:r>
             <a:endParaRPr lang="en-US" dirty="0" smtClean="0"/>
           </a:p>
@@ -6242,7 +3723,7 @@
           <a:lstStyle/>
           <a:p>
             <a:r>
-              <a:rPr lang="de-AT" dirty="0" smtClean="0"/>
+              <a:rPr lang="de-AT" smtClean="0"/>
               <a:t>Frameworks - Codegenerierung</a:t>
             </a:r>
             <a:endParaRPr lang="en-US" dirty="0"/>
@@ -6265,31 +3746,29 @@
           <a:lstStyle/>
           <a:p>
             <a:r>
-              <a:rPr lang="de-AT" dirty="0" smtClean="0"/>
+              <a:rPr lang="de-AT" smtClean="0"/>
               <a:t>Text Template Transformation Toolkit </a:t>
             </a:r>
             <a:r>
-              <a:rPr lang="en-US" dirty="0" smtClean="0"/>
+              <a:rPr lang="en-US" smtClean="0"/>
               <a:t>(T4)</a:t>
             </a:r>
           </a:p>
           <a:p>
             <a:r>
-              <a:rPr lang="en-US" dirty="0" err="1" smtClean="0"/>
+              <a:rPr lang="en-US" smtClean="0"/>
               <a:t>System.CodeDOM</a:t>
             </a:r>
-            <a:endParaRPr lang="en-US" dirty="0" smtClean="0"/>
-          </a:p>
-          <a:p>
-            <a:r>
-              <a:rPr lang="en-US" dirty="0" err="1" smtClean="0"/>
+          </a:p>
+          <a:p>
+            <a:r>
+              <a:rPr lang="en-US" smtClean="0"/>
               <a:t>Castle.DynamicProxy</a:t>
             </a:r>
-            <a:endParaRPr lang="en-US" dirty="0" smtClean="0"/>
-          </a:p>
-          <a:p>
-            <a:r>
-              <a:rPr lang="en-US" dirty="0" smtClean="0"/>
+          </a:p>
+          <a:p>
+            <a:r>
+              <a:rPr lang="en-US" smtClean="0"/>
               <a:t>Mono Cecil</a:t>
             </a:r>
           </a:p>
@@ -6314,10 +3793,10 @@
           <a:lstStyle/>
           <a:p>
             <a:r>
-              <a:rPr lang="en-US" smtClean="0"/>
-              <a:t>12.09.2012</a:t>
-            </a:r>
-            <a:endParaRPr lang="en-US"/>
+              <a:rPr lang="en-US" dirty="0"/>
+              <a:t>11.07.2013</a:t>
+            </a:r>
+            <a:endParaRPr lang="en-US" dirty="0"/>
           </a:p>
         </p:txBody>
       </p:sp>
@@ -6365,8 +3844,8 @@
               <a:t>4</a:t>
             </a:fld>
             <a:r>
-              <a:rPr lang="en-US" smtClean="0"/>
-              <a:t> / 24</a:t>
+              <a:rPr lang="en-US" dirty="0" smtClean="0"/>
+              <a:t> / 16</a:t>
             </a:r>
             <a:endParaRPr lang="en-US" dirty="0" smtClean="0"/>
           </a:p>
@@ -6425,7 +3904,7 @@
           <a:lstStyle/>
           <a:p>
             <a:r>
-              <a:rPr lang="en-US" dirty="0" smtClean="0"/>
+              <a:rPr lang="en-US" smtClean="0"/>
               <a:t>Proxies - Motivation</a:t>
             </a:r>
             <a:endParaRPr lang="en-US" dirty="0"/>
@@ -6451,23 +3930,15 @@
               <a:buNone/>
             </a:pPr>
             <a:r>
-              <a:rPr lang="en-US" dirty="0" smtClean="0"/>
+              <a:rPr lang="en-US" smtClean="0"/>
               <a:t>“</a:t>
             </a:r>
             <a:r>
-              <a:rPr lang="en-US" i="1" dirty="0" smtClean="0"/>
-              <a:t>A </a:t>
-            </a:r>
-            <a:r>
-              <a:rPr lang="en-US" i="1" dirty="0"/>
-              <a:t>proxy P is defined to be an object which acts as a placeholder for a target object T</a:t>
-            </a:r>
-            <a:r>
-              <a:rPr lang="en-US" i="1" dirty="0" smtClean="0"/>
-              <a:t>.</a:t>
-            </a:r>
-            <a:r>
-              <a:rPr lang="en-US" dirty="0" smtClean="0"/>
+              <a:rPr lang="en-US" i="1" smtClean="0"/>
+              <a:t>A proxy P is defined to be an object which acts as a placeholder for a target object T.</a:t>
+            </a:r>
+            <a:r>
+              <a:rPr lang="en-US" smtClean="0"/>
               <a:t>”</a:t>
             </a:r>
           </a:p>
@@ -6476,27 +3947,15 @@
               <a:buNone/>
             </a:pPr>
             <a:r>
-              <a:rPr lang="en-US" dirty="0" smtClean="0"/>
-              <a:t>- Design </a:t>
-            </a:r>
-            <a:r>
-              <a:rPr lang="en-US" dirty="0"/>
-              <a:t>Patterns, Erich Gamma et al. (</a:t>
-            </a:r>
-            <a:r>
-              <a:rPr lang="en-US" dirty="0" err="1"/>
-              <a:t>GoF</a:t>
-            </a:r>
-            <a:r>
-              <a:rPr lang="en-US" dirty="0" smtClean="0"/>
-              <a:t>)</a:t>
+              <a:rPr lang="en-US" smtClean="0"/>
+              <a:t>- Design Patterns, Erich Gamma et al. (GoF)</a:t>
             </a:r>
           </a:p>
           <a:p>
             <a:pPr marL="0" indent="0" algn="ctr">
               <a:buNone/>
             </a:pPr>
-            <a:endParaRPr lang="en-US" dirty="0" smtClean="0"/>
+            <a:endParaRPr lang="en-US" smtClean="0"/>
           </a:p>
           <a:p>
             <a:pPr algn="ctr">
@@ -6564,8 +4023,31 @@
           <a:lstStyle/>
           <a:p>
             <a:r>
-              <a:rPr lang="en-US" smtClean="0"/>
-              <a:t>12.09.2012</a:t>
+              <a:rPr lang="en-US" dirty="0"/>
+              <a:t>11.07.2013</a:t>
+            </a:r>
+            <a:endParaRPr lang="en-US" dirty="0"/>
+          </a:p>
+        </p:txBody>
+      </p:sp>
+      <p:sp>
+        <p:nvSpPr>
+          <p:cNvPr id="5" name="Footer Placeholder 4"/>
+          <p:cNvSpPr>
+            <a:spLocks noGrp="1"/>
+          </p:cNvSpPr>
+          <p:nvPr>
+            <p:ph type="ftr" sz="quarter" idx="11"/>
+          </p:nvPr>
+        </p:nvSpPr>
+        <p:spPr/>
+        <p:txBody>
+          <a:bodyPr/>
+          <a:lstStyle/>
+          <a:p>
+            <a:r>
+              <a:rPr lang="en-US" smtClean="0"/>
+              <a:t>Julian Lettner</a:t>
             </a:r>
             <a:endParaRPr lang="en-US"/>
           </a:p>
@@ -6573,29 +4055,6 @@
       </p:sp>
       <p:sp>
         <p:nvSpPr>
-          <p:cNvPr id="5" name="Footer Placeholder 4"/>
-          <p:cNvSpPr>
-            <a:spLocks noGrp="1"/>
-          </p:cNvSpPr>
-          <p:nvPr>
-            <p:ph type="ftr" sz="quarter" idx="11"/>
-          </p:nvPr>
-        </p:nvSpPr>
-        <p:spPr/>
-        <p:txBody>
-          <a:bodyPr/>
-          <a:lstStyle/>
-          <a:p>
-            <a:r>
-              <a:rPr lang="en-US" smtClean="0"/>
-              <a:t>Julian Lettner</a:t>
-            </a:r>
-            <a:endParaRPr lang="en-US"/>
-          </a:p>
-        </p:txBody>
-      </p:sp>
-      <p:sp>
-        <p:nvSpPr>
           <p:cNvPr id="6" name="Slide Number Placeholder 5"/>
           <p:cNvSpPr>
             <a:spLocks noGrp="1"/>
@@ -6604,7 +4063,12 @@
             <p:ph type="sldNum" sz="quarter" idx="12"/>
           </p:nvPr>
         </p:nvSpPr>
-        <p:spPr/>
+        <p:spPr>
+          <a:xfrm>
+            <a:off x="6553200" y="6400800"/>
+            <a:ext cx="2133600" cy="365125"/>
+          </a:xfrm>
+        </p:spPr>
         <p:txBody>
           <a:bodyPr/>
           <a:lstStyle/>
@@ -6615,8 +4079,8 @@
               <a:t>5</a:t>
             </a:fld>
             <a:r>
-              <a:rPr lang="en-US" smtClean="0"/>
-              <a:t> / 24</a:t>
+              <a:rPr lang="en-US" dirty="0" smtClean="0"/>
+              <a:t> / 16</a:t>
             </a:r>
             <a:endParaRPr lang="en-US" dirty="0" smtClean="0"/>
           </a:p>
@@ -6675,39 +4139,31 @@
           <a:lstStyle/>
           <a:p>
             <a:r>
-              <a:rPr lang="en-US" dirty="0" err="1" smtClean="0"/>
-              <a:t>Probleme</a:t>
-            </a:r>
+              <a:rPr lang="en-US" smtClean="0"/>
+              <a:t>Probleme - Motivation</a:t>
+            </a:r>
+            <a:endParaRPr lang="en-US" dirty="0"/>
+          </a:p>
+        </p:txBody>
+      </p:sp>
+      <p:sp>
+        <p:nvSpPr>
+          <p:cNvPr id="3" name="Content Placeholder 2"/>
+          <p:cNvSpPr>
+            <a:spLocks noGrp="1"/>
+          </p:cNvSpPr>
+          <p:nvPr>
+            <p:ph idx="1"/>
+          </p:nvPr>
+        </p:nvSpPr>
+        <p:spPr/>
+        <p:txBody>
+          <a:bodyPr/>
+          <a:lstStyle/>
+          <a:p>
             <a:r>
               <a:rPr lang="en-US" dirty="0" smtClean="0"/>
-              <a:t> - Motivation</a:t>
-            </a:r>
-            <a:endParaRPr lang="en-US" dirty="0"/>
-          </a:p>
-        </p:txBody>
-      </p:sp>
-      <p:sp>
-        <p:nvSpPr>
-          <p:cNvPr id="3" name="Content Placeholder 2"/>
-          <p:cNvSpPr>
-            <a:spLocks noGrp="1"/>
-          </p:cNvSpPr>
-          <p:nvPr>
-            <p:ph idx="1"/>
-          </p:nvPr>
-        </p:nvSpPr>
-        <p:spPr/>
-        <p:txBody>
-          <a:bodyPr/>
-          <a:lstStyle/>
-          <a:p>
-            <a:r>
-              <a:rPr lang="en-US" dirty="0" err="1" smtClean="0"/>
-              <a:t>Werkzeug</a:t>
-            </a:r>
-            <a:r>
-              <a:rPr lang="en-US" dirty="0" smtClean="0"/>
-              <a:t>-Integration</a:t>
+              <a:t>Framework-Integration</a:t>
             </a:r>
           </a:p>
           <a:p>
@@ -6723,7 +4179,6 @@
               <a:rPr lang="de-AT" dirty="0" smtClean="0"/>
               <a:t>öglich oder mit Einschränkungen</a:t>
             </a:r>
-            <a:endParaRPr lang="de-AT" dirty="0"/>
           </a:p>
           <a:p>
             <a:pPr marL="1368425" lvl="2" indent="0">
@@ -6753,10 +4208,10 @@
           <a:lstStyle/>
           <a:p>
             <a:r>
-              <a:rPr lang="en-US" smtClean="0"/>
-              <a:t>12.09.2012</a:t>
-            </a:r>
-            <a:endParaRPr lang="en-US"/>
+              <a:rPr lang="en-US" dirty="0"/>
+              <a:t>11.07.2013</a:t>
+            </a:r>
+            <a:endParaRPr lang="en-US" dirty="0"/>
           </a:p>
         </p:txBody>
       </p:sp>
@@ -6804,8 +4259,8 @@
               <a:t>6</a:t>
             </a:fld>
             <a:r>
-              <a:rPr lang="en-US" smtClean="0"/>
-              <a:t> / 24</a:t>
+              <a:rPr lang="en-US" dirty="0" smtClean="0"/>
+              <a:t> / 16</a:t>
             </a:r>
             <a:endParaRPr lang="en-US" dirty="0" smtClean="0"/>
           </a:p>
@@ -6848,88 +4303,6 @@
           <a:chExt cx="0" cy="0"/>
         </a:xfrm>
       </p:grpSpPr>
-      <p:sp>
-        <p:nvSpPr>
-          <p:cNvPr id="2" name="Title 1"/>
-          <p:cNvSpPr>
-            <a:spLocks noGrp="1"/>
-          </p:cNvSpPr>
-          <p:nvPr>
-            <p:ph type="title"/>
-          </p:nvPr>
-        </p:nvSpPr>
-        <p:spPr/>
-        <p:txBody>
-          <a:bodyPr/>
-          <a:lstStyle/>
-          <a:p>
-            <a:r>
-              <a:rPr lang="de-AT" dirty="0" smtClean="0"/>
-              <a:t>Beispiel</a:t>
-            </a:r>
-            <a:r>
-              <a:rPr lang="en-US" dirty="0" smtClean="0"/>
-              <a:t>: </a:t>
-            </a:r>
-            <a:r>
-              <a:rPr lang="en-US" dirty="0" err="1" smtClean="0"/>
-              <a:t>Werkzeug</a:t>
-            </a:r>
-            <a:r>
-              <a:rPr lang="en-US" dirty="0" smtClean="0"/>
-              <a:t>-Integration</a:t>
-            </a:r>
-            <a:endParaRPr lang="en-US" dirty="0"/>
-          </a:p>
-        </p:txBody>
-      </p:sp>
-      <p:sp>
-        <p:nvSpPr>
-          <p:cNvPr id="3" name="Content Placeholder 2"/>
-          <p:cNvSpPr>
-            <a:spLocks noGrp="1"/>
-          </p:cNvSpPr>
-          <p:nvPr>
-            <p:ph idx="1"/>
-          </p:nvPr>
-        </p:nvSpPr>
-        <p:spPr/>
-        <p:txBody>
-          <a:bodyPr/>
-          <a:lstStyle/>
-          <a:p>
-            <a:endParaRPr lang="de-AT" dirty="0" smtClean="0"/>
-          </a:p>
-          <a:p>
-            <a:endParaRPr lang="de-AT" dirty="0"/>
-          </a:p>
-          <a:p>
-            <a:endParaRPr lang="de-AT" dirty="0" smtClean="0"/>
-          </a:p>
-          <a:p>
-            <a:endParaRPr lang="de-AT" dirty="0"/>
-          </a:p>
-          <a:p>
-            <a:endParaRPr lang="de-AT" dirty="0" smtClean="0"/>
-          </a:p>
-          <a:p>
-            <a:pPr marL="0" indent="0" algn="ctr">
-              <a:buNone/>
-            </a:pPr>
-            <a:endParaRPr lang="en-US" sz="1600" dirty="0" smtClean="0"/>
-          </a:p>
-          <a:p>
-            <a:pPr marL="0" indent="0" algn="ctr">
-              <a:buNone/>
-            </a:pPr>
-            <a:r>
-              <a:rPr lang="en-US" dirty="0" smtClean="0"/>
-              <a:t>“Proxy-Proxy”</a:t>
-            </a:r>
-            <a:endParaRPr lang="de-AT" dirty="0" smtClean="0"/>
-          </a:p>
-        </p:txBody>
-      </p:sp>
       <p:pic>
         <p:nvPicPr>
           <p:cNvPr id="3074" name="Picture 2"/>
@@ -6994,6 +4367,134 @@
           </a:extLst>
         </p:spPr>
       </p:pic>
+      <p:pic>
+        <p:nvPicPr>
+          <p:cNvPr id="1026" name="Picture 2"/>
+          <p:cNvPicPr>
+            <a:picLocks noChangeAspect="1" noChangeArrowheads="1"/>
+          </p:cNvPicPr>
+          <p:nvPr/>
+        </p:nvPicPr>
+        <p:blipFill>
+          <a:blip r:embed="rId4">
+            <a:extLst>
+              <a:ext uri="{28A0092B-C50C-407E-A947-70E740481C1C}">
+                <a14:useLocalDpi xmlns:a14="http://schemas.microsoft.com/office/drawing/2010/main" val="0"/>
+              </a:ext>
+            </a:extLst>
+          </a:blip>
+          <a:srcRect/>
+          <a:stretch>
+            <a:fillRect/>
+          </a:stretch>
+        </p:blipFill>
+        <p:spPr bwMode="auto">
+          <a:xfrm>
+            <a:off x="1452784" y="2201561"/>
+            <a:ext cx="5826642" cy="2646773"/>
+          </a:xfrm>
+          <a:prstGeom prst="rect">
+            <a:avLst/>
+          </a:prstGeom>
+          <a:noFill/>
+          <a:ln>
+            <a:noFill/>
+          </a:ln>
+          <a:extLst>
+            <a:ext uri="{909E8E84-426E-40DD-AFC4-6F175D3DCCD1}">
+              <a14:hiddenFill xmlns:a14="http://schemas.microsoft.com/office/drawing/2010/main">
+                <a:solidFill>
+                  <a:schemeClr val="accent1"/>
+                </a:solidFill>
+              </a14:hiddenFill>
+            </a:ext>
+            <a:ext uri="{91240B29-F687-4F45-9708-019B960494DF}">
+              <a14:hiddenLine xmlns:a14="http://schemas.microsoft.com/office/drawing/2010/main" w="9525">
+                <a:solidFill>
+                  <a:schemeClr val="tx1"/>
+                </a:solidFill>
+                <a:miter lim="800000"/>
+                <a:headEnd/>
+                <a:tailEnd/>
+              </a14:hiddenLine>
+            </a:ext>
+          </a:extLst>
+        </p:spPr>
+      </p:pic>
+      <p:sp>
+        <p:nvSpPr>
+          <p:cNvPr id="2" name="Title 1"/>
+          <p:cNvSpPr>
+            <a:spLocks noGrp="1"/>
+          </p:cNvSpPr>
+          <p:nvPr>
+            <p:ph type="title"/>
+          </p:nvPr>
+        </p:nvSpPr>
+        <p:spPr/>
+        <p:txBody>
+          <a:bodyPr/>
+          <a:lstStyle/>
+          <a:p>
+            <a:r>
+              <a:rPr lang="de-AT" dirty="0" smtClean="0"/>
+              <a:t>Beispiel</a:t>
+            </a:r>
+            <a:r>
+              <a:rPr lang="en-US" dirty="0" smtClean="0"/>
+              <a:t>: Integration</a:t>
+            </a:r>
+            <a:endParaRPr lang="en-US" dirty="0"/>
+          </a:p>
+        </p:txBody>
+      </p:sp>
+      <p:sp>
+        <p:nvSpPr>
+          <p:cNvPr id="3" name="Content Placeholder 2"/>
+          <p:cNvSpPr>
+            <a:spLocks noGrp="1"/>
+          </p:cNvSpPr>
+          <p:nvPr>
+            <p:ph idx="1"/>
+          </p:nvPr>
+        </p:nvSpPr>
+        <p:spPr/>
+        <p:txBody>
+          <a:bodyPr/>
+          <a:lstStyle/>
+          <a:p>
+            <a:endParaRPr lang="de-AT" dirty="0" smtClean="0"/>
+          </a:p>
+          <a:p>
+            <a:endParaRPr lang="de-AT" dirty="0" smtClean="0"/>
+          </a:p>
+          <a:p>
+            <a:endParaRPr lang="de-AT" dirty="0" smtClean="0"/>
+          </a:p>
+          <a:p>
+            <a:endParaRPr lang="de-AT" dirty="0" smtClean="0"/>
+          </a:p>
+          <a:p>
+            <a:endParaRPr lang="de-AT" dirty="0" smtClean="0"/>
+          </a:p>
+          <a:p>
+            <a:pPr marL="0" indent="0" algn="ctr">
+              <a:buNone/>
+            </a:pPr>
+            <a:endParaRPr lang="en-US" sz="1600" dirty="0" smtClean="0"/>
+          </a:p>
+          <a:p>
+            <a:pPr marL="0" indent="0" algn="ctr">
+              <a:buNone/>
+            </a:pPr>
+            <a:r>
+              <a:rPr lang="en-US" dirty="0" smtClean="0"/>
+              <a:t>“Proxy-Proxy”</a:t>
+            </a:r>
+            <a:endParaRPr lang="de-AT" dirty="0" smtClean="0"/>
+          </a:p>
+        </p:txBody>
+      </p:sp>
       <p:sp>
         <p:nvSpPr>
           <p:cNvPr id="4" name="Date Placeholder 3"/>
@@ -7010,10 +4511,10 @@
           <a:lstStyle/>
           <a:p>
             <a:r>
-              <a:rPr lang="en-US" smtClean="0"/>
-              <a:t>12.09.2012</a:t>
-            </a:r>
-            <a:endParaRPr lang="en-US"/>
+              <a:rPr lang="en-US" dirty="0"/>
+              <a:t>11.07.2013</a:t>
+            </a:r>
+            <a:endParaRPr lang="en-US" dirty="0"/>
           </a:p>
         </p:txBody>
       </p:sp>
@@ -7061,8 +4562,8 @@
               <a:t>7</a:t>
             </a:fld>
             <a:r>
-              <a:rPr lang="en-US" smtClean="0"/>
-              <a:t> / 24</a:t>
+              <a:rPr lang="en-US" dirty="0" smtClean="0"/>
+              <a:t> / 16</a:t>
             </a:r>
             <a:endParaRPr lang="en-US" dirty="0" smtClean="0"/>
           </a:p>
@@ -7081,7 +4582,83 @@
   <p:timing>
     <p:tnLst>
       <p:par>
-        <p:cTn id="1" dur="indefinite" restart="never" nodeType="tmRoot"/>
+        <p:cTn id="1" dur="indefinite" restart="never" nodeType="tmRoot">
+          <p:childTnLst>
+            <p:seq concurrent="1" nextAc="seek">
+              <p:cTn id="2" dur="indefinite" nodeType="mainSeq">
+                <p:childTnLst>
+                  <p:par>
+                    <p:cTn id="3" fill="hold">
+                      <p:stCondLst>
+                        <p:cond delay="indefinite"/>
+                      </p:stCondLst>
+                      <p:childTnLst>
+                        <p:par>
+                          <p:cTn id="4" fill="hold">
+                            <p:stCondLst>
+                              <p:cond delay="0"/>
+                            </p:stCondLst>
+                            <p:childTnLst>
+                              <p:par>
+                                <p:cTn id="5" presetID="10" presetClass="entr" presetSubtype="0" fill="hold" nodeType="clickEffect">
+                                  <p:stCondLst>
+                                    <p:cond delay="0"/>
+                                  </p:stCondLst>
+                                  <p:childTnLst>
+                                    <p:set>
+                                      <p:cBhvr>
+                                        <p:cTn id="6" dur="1" fill="hold">
+                                          <p:stCondLst>
+                                            <p:cond delay="0"/>
+                                          </p:stCondLst>
+                                        </p:cTn>
+                                        <p:tgtEl>
+                                          <p:spTgt spid="1026"/>
+                                        </p:tgtEl>
+                                        <p:attrNameLst>
+                                          <p:attrName>style.visibility</p:attrName>
+                                        </p:attrNameLst>
+                                      </p:cBhvr>
+                                      <p:to>
+                                        <p:strVal val="visible"/>
+                                      </p:to>
+                                    </p:set>
+                                    <p:animEffect transition="in" filter="fade">
+                                      <p:cBhvr>
+                                        <p:cTn id="7" dur="500"/>
+                                        <p:tgtEl>
+                                          <p:spTgt spid="1026"/>
+                                        </p:tgtEl>
+                                      </p:cBhvr>
+                                    </p:animEffect>
+                                  </p:childTnLst>
+                                </p:cTn>
+                              </p:par>
+                            </p:childTnLst>
+                          </p:cTn>
+                        </p:par>
+                      </p:childTnLst>
+                    </p:cTn>
+                  </p:par>
+                </p:childTnLst>
+              </p:cTn>
+              <p:prevCondLst>
+                <p:cond evt="onPrev" delay="0">
+                  <p:tgtEl>
+                    <p:sldTgt/>
+                  </p:tgtEl>
+                </p:cond>
+              </p:prevCondLst>
+              <p:nextCondLst>
+                <p:cond evt="onNext" delay="0">
+                  <p:tgtEl>
+                    <p:sldTgt/>
+                  </p:tgtEl>
+                </p:cond>
+              </p:nextCondLst>
+            </p:seq>
+          </p:childTnLst>
+        </p:cTn>
       </p:par>
     </p:tnLst>
   </p:timing>
@@ -7121,12 +4698,8 @@
           <a:lstStyle/>
           <a:p>
             <a:r>
-              <a:rPr lang="en-US" dirty="0" err="1" smtClean="0"/>
-              <a:t>Probleme</a:t>
-            </a:r>
-            <a:r>
-              <a:rPr lang="en-US" dirty="0" smtClean="0"/>
-              <a:t> - Motivation</a:t>
+              <a:rPr lang="en-US" smtClean="0"/>
+              <a:t>Probleme - Motivation</a:t>
             </a:r>
             <a:endParaRPr lang="en-US" dirty="0"/>
           </a:p>
@@ -7150,12 +4723,8 @@
           <a:lstStyle/>
           <a:p>
             <a:r>
-              <a:rPr lang="en-US" dirty="0" err="1" smtClean="0"/>
-              <a:t>Werkzeug</a:t>
-            </a:r>
-            <a:r>
               <a:rPr lang="en-US" dirty="0" smtClean="0"/>
-              <a:t>-Integration</a:t>
+              <a:t>Framework-Integration</a:t>
             </a:r>
           </a:p>
           <a:p>
@@ -7177,18 +4746,9 @@
               <a:buNone/>
             </a:pPr>
             <a:r>
-              <a:rPr lang="de-AT" sz="2000" dirty="0"/>
-              <a:t>Caching, </a:t>
-            </a:r>
-            <a:r>
               <a:rPr lang="de-AT" sz="2000" dirty="0" smtClean="0"/>
-              <a:t>Serialisierung, </a:t>
-            </a:r>
-            <a:r>
-              <a:rPr lang="de-AT" sz="2000" dirty="0"/>
-              <a:t>Leistungsfähigkeit</a:t>
-            </a:r>
-            <a:endParaRPr lang="de-AT" sz="2000" dirty="0" smtClean="0"/>
+              <a:t>Caching, Serialisierung, Leistungsfähigkeit</a:t>
+            </a:r>
           </a:p>
           <a:p>
             <a:pPr marL="971550" lvl="1" indent="-514350">
@@ -7255,12 +4815,8 @@
               <a:t>Vorwegnehmen</a:t>
             </a:r>
             <a:r>
-              <a:rPr lang="en-US" dirty="0"/>
-              <a:t> </a:t>
-            </a:r>
-            <a:r>
               <a:rPr lang="en-US" dirty="0" smtClean="0"/>
-              <a:t>von </a:t>
+              <a:t> von </a:t>
             </a:r>
             <a:r>
               <a:rPr lang="en-US" dirty="0" err="1" smtClean="0"/>
@@ -7282,16 +4838,16 @@
               <a:rPr lang="en-US" dirty="0" err="1" smtClean="0"/>
               <a:t>Codegenerierungs-Technologie</a:t>
             </a:r>
-            <a:endParaRPr lang="en-US" dirty="0"/>
+            <a:endParaRPr lang="en-US" dirty="0" smtClean="0"/>
           </a:p>
           <a:p>
             <a:pPr marL="971550" lvl="1" indent="-514350"/>
             <a:r>
-              <a:rPr lang="en-US" dirty="0" err="1"/>
+              <a:rPr lang="en-US" dirty="0" err="1" smtClean="0"/>
               <a:t>Reihenfolge</a:t>
             </a:r>
             <a:r>
-              <a:rPr lang="en-US" dirty="0"/>
+              <a:rPr lang="en-US" dirty="0" smtClean="0"/>
               <a:t> der </a:t>
             </a:r>
             <a:r>
@@ -7325,10 +4881,10 @@
           <a:lstStyle/>
           <a:p>
             <a:r>
-              <a:rPr lang="en-US" smtClean="0"/>
-              <a:t>12.09.2012</a:t>
-            </a:r>
-            <a:endParaRPr lang="en-US"/>
+              <a:rPr lang="en-US" dirty="0"/>
+              <a:t>11.07.2013</a:t>
+            </a:r>
+            <a:endParaRPr lang="en-US" dirty="0"/>
           </a:p>
         </p:txBody>
       </p:sp>
@@ -7376,8 +4932,8 @@
               <a:t>8</a:t>
             </a:fld>
             <a:r>
-              <a:rPr lang="en-US" smtClean="0"/>
-              <a:t> / 24</a:t>
+              <a:rPr lang="en-US" dirty="0" smtClean="0"/>
+              <a:t> / 16</a:t>
             </a:r>
             <a:endParaRPr lang="en-US" dirty="0" smtClean="0"/>
           </a:p>
@@ -7436,12 +4992,8 @@
           <a:lstStyle/>
           <a:p>
             <a:r>
-              <a:rPr lang="en-US" dirty="0" err="1" smtClean="0"/>
-              <a:t>Begriff</a:t>
-            </a:r>
-            <a:r>
-              <a:rPr lang="en-US" dirty="0" smtClean="0"/>
-              <a:t> - Pipeline</a:t>
+              <a:rPr lang="en-US" smtClean="0"/>
+              <a:t>Begriff - Pipeline</a:t>
             </a:r>
             <a:endParaRPr lang="en-US" dirty="0"/>
           </a:p>
@@ -7466,7 +5018,7 @@
               <a:buNone/>
             </a:pPr>
             <a:r>
-              <a:rPr lang="de-DE" sz="3600" dirty="0" smtClean="0"/>
+              <a:rPr lang="de-DE" sz="3600" smtClean="0"/>
               <a:t>Ziel</a:t>
             </a:r>
           </a:p>
@@ -7475,44 +5027,28 @@
               <a:buNone/>
             </a:pPr>
             <a:r>
-              <a:rPr lang="de-DE" dirty="0" smtClean="0"/>
-              <a:t>„Gemeinschaftliches Generieren </a:t>
-            </a:r>
-            <a:r>
-              <a:rPr lang="de-DE" dirty="0"/>
-              <a:t>von </a:t>
-            </a:r>
-            <a:r>
-              <a:rPr lang="de-DE" dirty="0" smtClean="0"/>
-              <a:t>Code</a:t>
+              <a:rPr lang="de-DE" smtClean="0"/>
+              <a:t>„Gemeinschaftliches Generieren von Code</a:t>
             </a:r>
             <a:br>
-              <a:rPr lang="de-DE" dirty="0" smtClean="0"/>
+              <a:rPr lang="de-DE" smtClean="0"/>
             </a:br>
             <a:r>
-              <a:rPr lang="de-DE" dirty="0" smtClean="0"/>
-              <a:t>durch </a:t>
-            </a:r>
-            <a:r>
-              <a:rPr lang="de-DE" dirty="0"/>
-              <a:t>unabhängige </a:t>
-            </a:r>
-            <a:r>
-              <a:rPr lang="de-DE" dirty="0" smtClean="0"/>
-              <a:t>Teilnehmer“</a:t>
+              <a:rPr lang="de-DE" smtClean="0"/>
+              <a:t>durch unabhängige Teilnehmer“</a:t>
             </a:r>
           </a:p>
           <a:p>
             <a:pPr marL="0" indent="0" algn="ctr">
               <a:buNone/>
             </a:pPr>
-            <a:endParaRPr lang="de-DE" sz="2800" dirty="0" smtClean="0"/>
+            <a:endParaRPr lang="de-DE" sz="2800" smtClean="0"/>
           </a:p>
           <a:p>
             <a:pPr marL="0" indent="0" algn="ctr">
               <a:buNone/>
             </a:pPr>
-            <a:endParaRPr lang="de-DE" sz="2000" dirty="0"/>
+            <a:endParaRPr lang="de-DE" sz="2000" smtClean="0"/>
           </a:p>
           <a:p>
             <a:pPr marL="0" indent="0">
@@ -7522,47 +5058,27 @@
               </a:tabLst>
             </a:pPr>
             <a:r>
-              <a:rPr lang="de-DE" sz="2800" dirty="0" smtClean="0"/>
+              <a:rPr lang="de-DE" sz="2800" smtClean="0"/>
               <a:t>Teilnehmer</a:t>
             </a:r>
             <a:r>
-              <a:rPr lang="en-US" sz="2800" dirty="0"/>
-              <a:t> </a:t>
-            </a:r>
-            <a:r>
-              <a:rPr lang="en-US" sz="2800" dirty="0" smtClean="0"/>
-              <a:t>… 	O/R Mapper, AOP Framework,</a:t>
+              <a:rPr lang="en-US" sz="2800" smtClean="0"/>
+              <a:t> … 	O/R Mapper, AOP Framework,</a:t>
             </a:r>
             <a:br>
-              <a:rPr lang="en-US" sz="2800" dirty="0" smtClean="0"/>
+              <a:rPr lang="en-US" sz="2800" smtClean="0"/>
             </a:br>
             <a:r>
-              <a:rPr lang="en-US" sz="2800" dirty="0" smtClean="0"/>
-              <a:t>	</a:t>
-            </a:r>
-            <a:r>
-              <a:rPr lang="en-US" sz="2800" dirty="0" err="1" smtClean="0"/>
-              <a:t>IoC</a:t>
-            </a:r>
-            <a:r>
-              <a:rPr lang="en-US" sz="2800" dirty="0" smtClean="0"/>
-              <a:t> Container, </a:t>
-            </a:r>
-            <a:r>
-              <a:rPr lang="en-US" sz="2800" dirty="0" err="1" smtClean="0"/>
-              <a:t>Mixin</a:t>
-            </a:r>
-            <a:r>
-              <a:rPr lang="en-US" sz="2800" dirty="0" smtClean="0"/>
-              <a:t> Library, …</a:t>
-            </a:r>
-            <a:endParaRPr lang="de-DE" sz="2800" dirty="0" smtClean="0"/>
+              <a:rPr lang="en-US" sz="2800" smtClean="0"/>
+              <a:t>	IoC Container, Mixin Library, …</a:t>
+            </a:r>
+            <a:endParaRPr lang="de-DE" sz="2800" smtClean="0"/>
           </a:p>
           <a:p>
             <a:pPr marL="0" indent="0" algn="ctr">
               <a:buNone/>
             </a:pPr>
-            <a:endParaRPr lang="de-DE" sz="2800" b="1" dirty="0" smtClean="0"/>
+            <a:endParaRPr lang="de-DE" sz="2800" b="1" smtClean="0"/>
           </a:p>
           <a:p>
             <a:pPr marL="0" indent="0" algn="ctr">
@@ -7588,10 +5104,10 @@
           <a:lstStyle/>
           <a:p>
             <a:r>
-              <a:rPr lang="en-US" smtClean="0"/>
-              <a:t>12.09.2012</a:t>
-            </a:r>
-            <a:endParaRPr lang="en-US"/>
+              <a:rPr lang="en-US" dirty="0"/>
+              <a:t>11.07.2013</a:t>
+            </a:r>
+            <a:endParaRPr lang="en-US" dirty="0"/>
           </a:p>
         </p:txBody>
       </p:sp>
@@ -7639,8 +5155,8 @@
               <a:t>9</a:t>
             </a:fld>
             <a:r>
-              <a:rPr lang="en-US" smtClean="0"/>
-              <a:t> / 24</a:t>
+              <a:rPr lang="en-US" dirty="0" smtClean="0"/>
+              <a:t> / 16</a:t>
             </a:r>
             <a:endParaRPr lang="en-US" dirty="0" smtClean="0"/>
           </a:p>
